--- a/要件定義書.pptx
+++ b/要件定義書.pptx
@@ -4051,8 +4051,8 @@
         </p:nvSpPr>
         <p:spPr>
           <a:xfrm>
-            <a:off x="1206500" y="10049048"/>
-            <a:ext cx="21971000" cy="934780"/>
+            <a:off x="7837026" y="10697687"/>
+            <a:ext cx="21971001" cy="934779"/>
           </a:xfrm>
           <a:prstGeom prst="rect">
             <a:avLst/>
@@ -4065,7 +4065,11 @@
         </p:spPr>
         <p:txBody>
           <a:bodyPr/>
-          <a:lstStyle/>
+          <a:lstStyle>
+            <a:lvl1pPr>
+              <a:defRPr sz="4200"/>
+            </a:lvl1pPr>
+          </a:lstStyle>
           <a:p>
             <a:pPr/>
             <a:r>
@@ -4084,8 +4088,8 @@
         </p:nvSpPr>
         <p:spPr>
           <a:xfrm>
-            <a:off x="1206500" y="3403667"/>
-            <a:ext cx="21971000" cy="6042243"/>
+            <a:off x="1206499" y="2909585"/>
+            <a:ext cx="21971001" cy="6042243"/>
           </a:xfrm>
           <a:prstGeom prst="rect">
             <a:avLst/>
@@ -4095,7 +4099,7 @@
           <a:bodyPr/>
           <a:lstStyle/>
           <a:p>
-            <a:pPr marL="0" indent="0" defTabSz="425195">
+            <a:pPr marL="0" indent="0" defTabSz="365760">
               <a:lnSpc>
                 <a:spcPct val="100000"/>
               </a:lnSpc>
@@ -4104,14 +4108,14 @@
               </a:spcBef>
               <a:buSzTx/>
               <a:buNone/>
-              <a:defRPr sz="4278"/>
+              <a:defRPr sz="3680"/>
             </a:pPr>
             <a:r>
               <a:t>〜依頼の背景〜</a:t>
             </a:r>
           </a:p>
           <a:p>
-            <a:pPr marL="0" indent="0" defTabSz="425195">
+            <a:pPr marL="0" indent="0" defTabSz="365760">
               <a:lnSpc>
                 <a:spcPct val="100000"/>
               </a:lnSpc>
@@ -4120,14 +4124,14 @@
               </a:spcBef>
               <a:buSzTx/>
               <a:buNone/>
-              <a:defRPr sz="4278"/>
+              <a:defRPr sz="3680"/>
             </a:pPr>
             <a:r>
-              <a:t>中野でアニメグッズショップ「PKストア」を経営、現在は店舗ホームページはなくTwitterとインスタグラムとYouTubeを展開している</a:t>
-            </a:r>
-          </a:p>
-          <a:p>
-            <a:pPr marL="0" indent="0" defTabSz="425195">
+              <a:t>中野駅徒歩１分の場所でアニメグッズショップ「PKストア」を経営、現在は店舗ホームページはなく、コロナ禍も落ち着きイベント帰り客や観光者が立ち寄ってくれるきっかけになればとTwitterとインスタグラムとYouTubeを展開しているが思うように伸びず苦戦</a:t>
+            </a:r>
+          </a:p>
+          <a:p>
+            <a:pPr marL="0" indent="0" defTabSz="365760">
               <a:lnSpc>
                 <a:spcPct val="100000"/>
               </a:lnSpc>
@@ -4136,14 +4140,14 @@
               </a:spcBef>
               <a:buSzTx/>
               <a:buNone/>
-              <a:defRPr sz="4278"/>
+              <a:defRPr sz="3680"/>
             </a:pPr>
             <a:r>
               <a:t>今回は会員限定のグッズ販売をECサイトで販売するため新たにホームページを作り、現在のSNSともリンクさせ、店舗情報を一貫して見れる場所を作りたい</a:t>
             </a:r>
           </a:p>
           <a:p>
-            <a:pPr marL="0" indent="0" defTabSz="425195">
+            <a:pPr marL="0" indent="0" defTabSz="365760">
               <a:lnSpc>
                 <a:spcPct val="100000"/>
               </a:lnSpc>
@@ -4152,10 +4156,10 @@
               </a:spcBef>
               <a:buSzTx/>
               <a:buNone/>
-              <a:defRPr sz="4278"/>
+              <a:defRPr sz="3680"/>
             </a:pPr>
             <a:r>
-              <a:t>ターゲットはアニメファン、都外在住者で観光などでの店舗の立ち寄りも視野に入れたい</a:t>
+              <a:t>ターゲットはアニメファン、都外在住者でイベントや観光などでの東京に宿泊者の店舗の立ち寄りも視野に入れたい</a:t>
             </a:r>
           </a:p>
         </p:txBody>
@@ -4168,8 +4172,8 @@
         </p:nvSpPr>
         <p:spPr>
           <a:xfrm>
-            <a:off x="1206500" y="10939594"/>
-            <a:ext cx="21971000" cy="934779"/>
+            <a:off x="7837026" y="11588232"/>
+            <a:ext cx="21971001" cy="934780"/>
           </a:xfrm>
           <a:prstGeom prst="rect">
             <a:avLst/>
@@ -4189,7 +4193,7 @@
           </a:bodyPr>
           <a:lstStyle>
             <a:lvl1pPr algn="l" defTabSz="825500">
-              <a:defRPr sz="5500">
+              <a:defRPr sz="4200">
                 <a:solidFill>
                   <a:srgbClr val="000000"/>
                 </a:solidFill>
@@ -4216,8 +4220,8 @@
         </p:nvSpPr>
         <p:spPr>
           <a:xfrm>
-            <a:off x="1206500" y="11803194"/>
-            <a:ext cx="21971000" cy="934779"/>
+            <a:off x="7837026" y="12451832"/>
+            <a:ext cx="21971001" cy="934780"/>
           </a:xfrm>
           <a:prstGeom prst="rect">
             <a:avLst/>
@@ -4237,7 +4241,7 @@
           </a:bodyPr>
           <a:lstStyle>
             <a:lvl1pPr algn="l" defTabSz="825500">
-              <a:defRPr sz="5500">
+              <a:defRPr sz="4200">
                 <a:solidFill>
                   <a:srgbClr val="000000"/>
                 </a:solidFill>
@@ -4264,8 +4268,8 @@
         </p:nvSpPr>
         <p:spPr>
           <a:xfrm>
-            <a:off x="1206500" y="9033048"/>
-            <a:ext cx="21971000" cy="934780"/>
+            <a:off x="2575847" y="11588232"/>
+            <a:ext cx="21971001" cy="934780"/>
           </a:xfrm>
           <a:prstGeom prst="rect">
             <a:avLst/>
@@ -4389,14 +4393,14 @@
       </p:pic>
       <p:sp>
         <p:nvSpPr>
-          <p:cNvPr id="163" name="会員・非会員が利用できるサイトでECサイトは会員のみの限定販売を行い利用者の数値化を行う…"/>
+          <p:cNvPr id="163" name="要望であるECサイトを実装し、店舗情報SNSのリンクをTOPページから画面遷移なくても見れるように配置し、遷移ページではより詳細な情報を閲覧できるよう作成する…"/>
           <p:cNvSpPr txBox="1"/>
           <p:nvPr/>
         </p:nvSpPr>
         <p:spPr>
           <a:xfrm>
-            <a:off x="5682919" y="3976531"/>
-            <a:ext cx="17968715" cy="7784090"/>
+            <a:off x="6031461" y="1513744"/>
+            <a:ext cx="17271631" cy="10904506"/>
           </a:xfrm>
           <a:prstGeom prst="rect">
             <a:avLst/>
@@ -4423,14 +4427,14 @@
               <a:spcBef>
                 <a:spcPts val="4500"/>
               </a:spcBef>
-              <a:defRPr sz="4800">
+              <a:defRPr sz="3700">
                 <a:solidFill>
                   <a:srgbClr val="000000"/>
                 </a:solidFill>
               </a:defRPr>
             </a:pPr>
             <a:r>
-              <a:t>会員・非会員が利用できるサイトでECサイトは会員のみの限定販売を行い利用者の数値化を行う</a:t>
+              <a:t>要望であるECサイトを実装し、店舗情報SNSのリンクをTOPページから画面遷移なくても見れるように配置し、遷移ページではより詳細な情報を閲覧できるよう作成する</a:t>
             </a:r>
           </a:p>
           <a:p>
@@ -4441,14 +4445,14 @@
               <a:spcBef>
                 <a:spcPts val="4500"/>
               </a:spcBef>
-              <a:defRPr sz="4800">
+              <a:defRPr sz="3700">
                 <a:solidFill>
                   <a:srgbClr val="000000"/>
                 </a:solidFill>
               </a:defRPr>
             </a:pPr>
             <a:r>
-              <a:t>店舗情報とSNSのリンクで店舗の利用にも結びつける</a:t>
+              <a:t>有名店ではないので熱量の低いユーザーが訪れても見やすいようなるべくシンプルなフォントで見やすいデザインで作成する</a:t>
             </a:r>
           </a:p>
           <a:p>
@@ -4459,14 +4463,14 @@
               <a:spcBef>
                 <a:spcPts val="4500"/>
               </a:spcBef>
-              <a:defRPr sz="4800">
+              <a:defRPr sz="3700">
                 <a:solidFill>
                   <a:srgbClr val="000000"/>
                 </a:solidFill>
               </a:defRPr>
             </a:pPr>
             <a:r>
-              <a:t>グッズ販売は新着とランキングの掲載で変化のあるwebサイト作りを狙いユーザーを飽きさせないようにする</a:t>
+              <a:t>会員・非会員が利用できるサイトでECサイトは会員のみの限定販売を行い利用者の数値化を行う</a:t>
             </a:r>
           </a:p>
           <a:p>
@@ -4477,7 +4481,43 @@
               <a:spcBef>
                 <a:spcPts val="4500"/>
               </a:spcBef>
-              <a:defRPr sz="4800">
+              <a:defRPr sz="3700">
+                <a:solidFill>
+                  <a:srgbClr val="000000"/>
+                </a:solidFill>
+              </a:defRPr>
+            </a:pPr>
+            <a:r>
+              <a:t>店舗情報とSNSのリンクで店舗の利用にも結びつける</a:t>
+            </a:r>
+          </a:p>
+          <a:p>
+            <a:pPr algn="l">
+              <a:lnSpc>
+                <a:spcPct val="90000"/>
+              </a:lnSpc>
+              <a:spcBef>
+                <a:spcPts val="4500"/>
+              </a:spcBef>
+              <a:defRPr sz="3700">
+                <a:solidFill>
+                  <a:srgbClr val="000000"/>
+                </a:solidFill>
+              </a:defRPr>
+            </a:pPr>
+            <a:r>
+              <a:t>グッズ販売は新着とランキングの掲載で変化のあるwebサイト作りを狙いユーザーを飽きさせないようにする</a:t>
+            </a:r>
+          </a:p>
+          <a:p>
+            <a:pPr algn="l">
+              <a:lnSpc>
+                <a:spcPct val="90000"/>
+              </a:lnSpc>
+              <a:spcBef>
+                <a:spcPts val="4500"/>
+              </a:spcBef>
+              <a:defRPr sz="3700">
                 <a:solidFill>
                   <a:srgbClr val="000000"/>
                 </a:solidFill>
@@ -4517,7 +4557,7 @@
       </p:grpSpPr>
       <p:sp>
         <p:nvSpPr>
-          <p:cNvPr id="165" name="機能紹介（ユーザー）"/>
+          <p:cNvPr id="165" name="機能紹介"/>
           <p:cNvSpPr txBox="1"/>
           <p:nvPr>
             <p:ph type="title"/>
@@ -4526,7 +4566,7 @@
         <p:spPr>
           <a:xfrm>
             <a:off x="1172633" y="783936"/>
-            <a:ext cx="10414398" cy="2020010"/>
+            <a:ext cx="4906883" cy="2020010"/>
           </a:xfrm>
           <a:prstGeom prst="rect">
             <a:avLst/>
@@ -4534,15 +4574,11 @@
         </p:spPr>
         <p:txBody>
           <a:bodyPr/>
-          <a:lstStyle>
-            <a:lvl1pPr defTabSz="2365188">
-              <a:defRPr spc="-164" sz="8245"/>
-            </a:lvl1pPr>
-          </a:lstStyle>
+          <a:lstStyle/>
           <a:p>
             <a:pPr/>
             <a:r>
-              <a:t>機能紹介（ユーザー）</a:t>
+              <a:t>機能紹介</a:t>
             </a:r>
           </a:p>
         </p:txBody>
@@ -4565,8 +4601,8 @@
         </p:blipFill>
         <p:spPr>
           <a:xfrm>
-            <a:off x="1194726" y="3669836"/>
-            <a:ext cx="5600701" cy="4419601"/>
+            <a:off x="522063" y="3991022"/>
+            <a:ext cx="4797913" cy="3786108"/>
           </a:xfrm>
           <a:prstGeom prst="rect">
             <a:avLst/>
@@ -4652,8 +4688,8 @@
         </p:blipFill>
         <p:spPr>
           <a:xfrm>
-            <a:off x="13101902" y="3629025"/>
-            <a:ext cx="3810001" cy="4191000"/>
+            <a:off x="10266472" y="3935463"/>
+            <a:ext cx="3810001" cy="4191001"/>
           </a:xfrm>
           <a:prstGeom prst="rect">
             <a:avLst/>
@@ -4681,7 +4717,7 @@
         </p:blipFill>
         <p:spPr>
           <a:xfrm>
-            <a:off x="7798792" y="3733336"/>
+            <a:off x="5900924" y="3884663"/>
             <a:ext cx="3784601" cy="4292601"/>
           </a:xfrm>
           <a:prstGeom prst="rect">
@@ -4710,7 +4746,7 @@
         </p:blipFill>
         <p:spPr>
           <a:xfrm>
-            <a:off x="14200716" y="9166966"/>
+            <a:off x="14074213" y="9302432"/>
             <a:ext cx="3873501" cy="4165601"/>
           </a:xfrm>
           <a:prstGeom prst="rect">
@@ -4729,7 +4765,7 @@
         </p:nvSpPr>
         <p:spPr>
           <a:xfrm>
-            <a:off x="2722066" y="2671233"/>
+            <a:off x="1479844" y="2771248"/>
             <a:ext cx="2546020" cy="809607"/>
           </a:xfrm>
           <a:prstGeom prst="rect">
@@ -4779,7 +4815,7 @@
         </p:nvSpPr>
         <p:spPr>
           <a:xfrm>
-            <a:off x="7990482" y="2567152"/>
+            <a:off x="5888354" y="2835421"/>
             <a:ext cx="3898901" cy="1017768"/>
           </a:xfrm>
           <a:prstGeom prst="rect">
@@ -4829,7 +4865,7 @@
         </p:nvSpPr>
         <p:spPr>
           <a:xfrm>
-            <a:off x="15237849" y="2635977"/>
+            <a:off x="11481580" y="2824246"/>
             <a:ext cx="5294247" cy="1320385"/>
           </a:xfrm>
           <a:prstGeom prst="rect">
@@ -4879,8 +4915,8 @@
         </p:nvSpPr>
         <p:spPr>
           <a:xfrm>
-            <a:off x="19882478" y="8476886"/>
-            <a:ext cx="2924772" cy="1017768"/>
+            <a:off x="19882479" y="8476886"/>
+            <a:ext cx="2924771" cy="1017768"/>
           </a:xfrm>
           <a:prstGeom prst="rect">
             <a:avLst/>
@@ -4980,7 +5016,7 @@
         <p:spPr>
           <a:xfrm>
             <a:off x="14074213" y="8481635"/>
-            <a:ext cx="4126507" cy="922497"/>
+            <a:ext cx="4126508" cy="922497"/>
           </a:xfrm>
           <a:prstGeom prst="rect">
             <a:avLst/>
@@ -5039,8 +5075,8 @@
         </p:blipFill>
         <p:spPr>
           <a:xfrm>
-            <a:off x="18124420" y="3654425"/>
-            <a:ext cx="3797301" cy="4140200"/>
+            <a:off x="14064424" y="3960863"/>
+            <a:ext cx="3797301" cy="4140201"/>
           </a:xfrm>
           <a:prstGeom prst="rect">
             <a:avLst/>
@@ -5125,6 +5161,135 @@
             <a:pPr/>
             <a:r>
               <a:t>情報詳細ページ</a:t>
+            </a:r>
+          </a:p>
+        </p:txBody>
+      </p:sp>
+      <p:pic>
+        <p:nvPicPr>
+          <p:cNvPr id="181" name="スクリーンショット 0005-08-02 19.12.49.png" descr="スクリーンショット 0005-08-02 19.12.49.png"/>
+          <p:cNvPicPr>
+            <a:picLocks noChangeAspect="1"/>
+          </p:cNvPicPr>
+          <p:nvPr/>
+        </p:nvPicPr>
+        <p:blipFill>
+          <a:blip r:embed="rId10">
+            <a:extLst/>
+          </a:blip>
+          <a:stretch>
+            <a:fillRect/>
+          </a:stretch>
+        </p:blipFill>
+        <p:spPr>
+          <a:xfrm>
+            <a:off x="18571883" y="4004475"/>
+            <a:ext cx="5155155" cy="4038601"/>
+          </a:xfrm>
+          <a:prstGeom prst="rect">
+            <a:avLst/>
+          </a:prstGeom>
+          <a:ln w="12700">
+            <a:miter lim="400000"/>
+          </a:ln>
+        </p:spPr>
+      </p:pic>
+      <p:sp>
+        <p:nvSpPr>
+          <p:cNvPr id="182" name="店舗情報"/>
+          <p:cNvSpPr txBox="1"/>
+          <p:nvPr/>
+        </p:nvSpPr>
+        <p:spPr>
+          <a:xfrm>
+            <a:off x="19415235" y="2824246"/>
+            <a:ext cx="5294247" cy="1320385"/>
+          </a:xfrm>
+          <a:prstGeom prst="rect">
+            <a:avLst/>
+          </a:prstGeom>
+          <a:ln w="12700">
+            <a:miter lim="400000"/>
+          </a:ln>
+          <a:extLst>
+            <a:ext uri="{C572A759-6A51-4108-AA02-DFA0A04FC94B}">
+              <ma14:wrappingTextBoxFlag xmlns:ma14="http://schemas.microsoft.com/office/mac/drawingml/2011/main" val="1"/>
+            </a:ext>
+          </a:extLst>
+        </p:spPr>
+        <p:txBody>
+          <a:bodyPr lIns="50800" tIns="50800" rIns="50800" bIns="50800">
+            <a:normAutofit fontScale="100000" lnSpcReduction="0"/>
+          </a:bodyPr>
+          <a:lstStyle>
+            <a:lvl1pPr algn="l">
+              <a:lnSpc>
+                <a:spcPct val="90000"/>
+              </a:lnSpc>
+              <a:spcBef>
+                <a:spcPts val="4500"/>
+              </a:spcBef>
+              <a:defRPr sz="4800">
+                <a:solidFill>
+                  <a:srgbClr val="000000"/>
+                </a:solidFill>
+              </a:defRPr>
+            </a:lvl1pPr>
+          </a:lstStyle>
+          <a:p>
+            <a:pPr/>
+            <a:r>
+              <a:t>店舗情報</a:t>
+            </a:r>
+          </a:p>
+        </p:txBody>
+      </p:sp>
+      <p:sp>
+        <p:nvSpPr>
+          <p:cNvPr id="183" name="要望であるECサイトを実装し、店舗情報SNSのリンクをTOPページから画面遷移なくても見れるように配置し、遷移ページではより詳細な情報を閲覧できるよう作成する"/>
+          <p:cNvSpPr txBox="1"/>
+          <p:nvPr/>
+        </p:nvSpPr>
+        <p:spPr>
+          <a:xfrm>
+            <a:off x="6538561" y="720964"/>
+            <a:ext cx="17271631" cy="1749432"/>
+          </a:xfrm>
+          <a:prstGeom prst="rect">
+            <a:avLst/>
+          </a:prstGeom>
+          <a:ln w="12700">
+            <a:miter lim="400000"/>
+          </a:ln>
+          <a:extLst>
+            <a:ext uri="{C572A759-6A51-4108-AA02-DFA0A04FC94B}">
+              <ma14:wrappingTextBoxFlag xmlns:ma14="http://schemas.microsoft.com/office/mac/drawingml/2011/main" val="1"/>
+            </a:ext>
+          </a:extLst>
+        </p:spPr>
+        <p:txBody>
+          <a:bodyPr lIns="50800" tIns="50800" rIns="50800" bIns="50800">
+            <a:normAutofit fontScale="100000" lnSpcReduction="0"/>
+          </a:bodyPr>
+          <a:lstStyle>
+            <a:lvl1pPr algn="l" defTabSz="2292038">
+              <a:lnSpc>
+                <a:spcPct val="90000"/>
+              </a:lnSpc>
+              <a:spcBef>
+                <a:spcPts val="4200"/>
+              </a:spcBef>
+              <a:defRPr sz="3478">
+                <a:solidFill>
+                  <a:srgbClr val="000000"/>
+                </a:solidFill>
+              </a:defRPr>
+            </a:lvl1pPr>
+          </a:lstStyle>
+          <a:p>
+            <a:pPr/>
+            <a:r>
+              <a:t>要望であるECサイトを実装し、店舗情報SNSのリンクをTOPページから画面遷移なくても見れるように配置し、遷移ページではより詳細な情報を閲覧できるよう作成する</a:t>
             </a:r>
           </a:p>
         </p:txBody>
@@ -5157,7 +5322,7 @@
       </p:grpSpPr>
       <p:sp>
         <p:nvSpPr>
-          <p:cNvPr id="182" name="機能（管理者）"/>
+          <p:cNvPr id="185" name="機能（管理者）"/>
           <p:cNvSpPr txBox="1"/>
           <p:nvPr>
             <p:ph type="title"/>
@@ -5179,9 +5344,59 @@
           </a:p>
         </p:txBody>
       </p:sp>
+      <p:sp>
+        <p:nvSpPr>
+          <p:cNvPr id="186" name="管理者用アカウントでログインすることで商品を登録したり編集し在庫を修正する事ができる。"/>
+          <p:cNvSpPr txBox="1"/>
+          <p:nvPr/>
+        </p:nvSpPr>
+        <p:spPr>
+          <a:xfrm>
+            <a:off x="19395701" y="2493965"/>
+            <a:ext cx="4792774" cy="9298631"/>
+          </a:xfrm>
+          <a:prstGeom prst="rect">
+            <a:avLst/>
+          </a:prstGeom>
+          <a:ln w="12700">
+            <a:miter lim="400000"/>
+          </a:ln>
+          <a:extLst>
+            <a:ext uri="{C572A759-6A51-4108-AA02-DFA0A04FC94B}">
+              <ma14:wrappingTextBoxFlag xmlns:ma14="http://schemas.microsoft.com/office/mac/drawingml/2011/main" val="1"/>
+            </a:ext>
+          </a:extLst>
+        </p:spPr>
+        <p:txBody>
+          <a:bodyPr lIns="50800" tIns="50800" rIns="50800" bIns="50800">
+            <a:normAutofit fontScale="100000" lnSpcReduction="0"/>
+          </a:bodyPr>
+          <a:lstStyle>
+            <a:lvl1pPr algn="l">
+              <a:lnSpc>
+                <a:spcPct val="90000"/>
+              </a:lnSpc>
+              <a:spcBef>
+                <a:spcPts val="4500"/>
+              </a:spcBef>
+              <a:defRPr sz="4200">
+                <a:solidFill>
+                  <a:srgbClr val="000000"/>
+                </a:solidFill>
+              </a:defRPr>
+            </a:lvl1pPr>
+          </a:lstStyle>
+          <a:p>
+            <a:pPr/>
+            <a:r>
+              <a:t>管理者用アカウントでログインすることで商品を登録したり編集し在庫を修正する事ができる。</a:t>
+            </a:r>
+          </a:p>
+        </p:txBody>
+      </p:sp>
       <p:pic>
         <p:nvPicPr>
-          <p:cNvPr id="183" name="スクリーンショット 0005-08-01 23.54.09.png" descr="スクリーンショット 0005-08-01 23.54.09.png"/>
+          <p:cNvPr id="187" name="スクリーンショット 0005-08-02 19.29.40.png" descr="スクリーンショット 0005-08-02 19.29.40.png"/>
           <p:cNvPicPr>
             <a:picLocks noChangeAspect="1"/>
           </p:cNvPicPr>
@@ -5197,8 +5412,8 @@
         </p:blipFill>
         <p:spPr>
           <a:xfrm>
-            <a:off x="567134" y="2632008"/>
-            <a:ext cx="14947901" cy="9893301"/>
+            <a:off x="268326" y="2541032"/>
+            <a:ext cx="18748531" cy="10997875"/>
           </a:xfrm>
           <a:prstGeom prst="rect">
             <a:avLst/>
@@ -5208,56 +5423,6 @@
           </a:ln>
         </p:spPr>
       </p:pic>
-      <p:sp>
-        <p:nvSpPr>
-          <p:cNvPr id="184" name="管理者用アカウントでログインすることで商品を登録したり編集し在庫を修正する事ができる。"/>
-          <p:cNvSpPr txBox="1"/>
-          <p:nvPr/>
-        </p:nvSpPr>
-        <p:spPr>
-          <a:xfrm>
-            <a:off x="15599965" y="2671233"/>
-            <a:ext cx="8458069" cy="6863141"/>
-          </a:xfrm>
-          <a:prstGeom prst="rect">
-            <a:avLst/>
-          </a:prstGeom>
-          <a:ln w="12700">
-            <a:miter lim="400000"/>
-          </a:ln>
-          <a:extLst>
-            <a:ext uri="{C572A759-6A51-4108-AA02-DFA0A04FC94B}">
-              <ma14:wrappingTextBoxFlag xmlns:ma14="http://schemas.microsoft.com/office/mac/drawingml/2011/main" val="1"/>
-            </a:ext>
-          </a:extLst>
-        </p:spPr>
-        <p:txBody>
-          <a:bodyPr lIns="50800" tIns="50800" rIns="50800" bIns="50800">
-            <a:normAutofit fontScale="100000" lnSpcReduction="0"/>
-          </a:bodyPr>
-          <a:lstStyle>
-            <a:lvl1pPr algn="l">
-              <a:lnSpc>
-                <a:spcPct val="90000"/>
-              </a:lnSpc>
-              <a:spcBef>
-                <a:spcPts val="4500"/>
-              </a:spcBef>
-              <a:defRPr sz="4800">
-                <a:solidFill>
-                  <a:srgbClr val="000000"/>
-                </a:solidFill>
-              </a:defRPr>
-            </a:lvl1pPr>
-          </a:lstStyle>
-          <a:p>
-            <a:pPr/>
-            <a:r>
-              <a:t>管理者用アカウントでログインすることで商品を登録したり編集し在庫を修正する事ができる。</a:t>
-            </a:r>
-          </a:p>
-        </p:txBody>
-      </p:sp>
     </p:spTree>
   </p:cSld>
   <p:clrMapOvr>

--- a/要件定義書.pptx
+++ b/要件定義書.pptx
@@ -13,6 +13,7 @@
     <p:sldId id="258" r:id="rId10"/>
     <p:sldId id="259" r:id="rId11"/>
     <p:sldId id="260" r:id="rId12"/>
+    <p:sldId id="261" r:id="rId13"/>
   </p:sldIdLst>
   <p:sldSz cx="24384000" cy="13716000"/>
   <p:notesSz cx="6858000" cy="9144000"/>
@@ -3936,7 +3937,7 @@
       </p:grpSpPr>
       <p:sp>
         <p:nvSpPr>
-          <p:cNvPr id="151" name="岡田祐季（2023年8月1日）"/>
+          <p:cNvPr id="151" name="岡田祐季（2023年8月2日）"/>
           <p:cNvSpPr txBox="1"/>
           <p:nvPr>
             <p:ph type="body" idx="21"/>
@@ -3958,14 +3959,14 @@
           <a:p>
             <a:pPr/>
             <a:r>
-              <a:t>岡田祐季（2023年8月1日）</a:t>
-            </a:r>
-          </a:p>
-        </p:txBody>
-      </p:sp>
-      <p:sp>
-        <p:nvSpPr>
-          <p:cNvPr id="152" name="卒業制作"/>
+              <a:t>岡田祐季（2023年8月2日）</a:t>
+            </a:r>
+          </a:p>
+        </p:txBody>
+      </p:sp>
+      <p:sp>
+        <p:nvSpPr>
+          <p:cNvPr id="152" name="要件定義書"/>
           <p:cNvSpPr txBox="1"/>
           <p:nvPr>
             <p:ph type="ctrTitle"/>
@@ -3982,7 +3983,7 @@
           <a:p>
             <a:pPr/>
             <a:r>
-              <a:t>卒業制作</a:t>
+              <a:t>要件定義書</a:t>
             </a:r>
           </a:p>
         </p:txBody>
@@ -4015,7 +4016,7 @@
       </p:grpSpPr>
       <p:sp>
         <p:nvSpPr>
-          <p:cNvPr id="154" name="要件定義書"/>
+          <p:cNvPr id="154" name="制作背景"/>
           <p:cNvSpPr txBox="1"/>
           <p:nvPr>
             <p:ph type="title"/>
@@ -4023,8 +4024,8 @@
         </p:nvSpPr>
         <p:spPr>
           <a:xfrm>
-            <a:off x="1206500" y="1077359"/>
-            <a:ext cx="21971000" cy="1433164"/>
+            <a:off x="14924002" y="1365643"/>
+            <a:ext cx="21971001" cy="1433164"/>
           </a:xfrm>
           <a:prstGeom prst="rect">
             <a:avLst/>
@@ -4036,51 +4037,14 @@
           <a:p>
             <a:pPr/>
             <a:r>
-              <a:t>要件定義書</a:t>
-            </a:r>
-          </a:p>
-        </p:txBody>
-      </p:sp>
-      <p:sp>
-        <p:nvSpPr>
-          <p:cNvPr id="155" name="ECサイトの導入して購入者を増やしたい"/>
-          <p:cNvSpPr txBox="1"/>
-          <p:nvPr>
-            <p:ph type="body" idx="21"/>
-          </p:nvPr>
-        </p:nvSpPr>
-        <p:spPr>
-          <a:xfrm>
-            <a:off x="7837026" y="10697687"/>
-            <a:ext cx="21971001" cy="934779"/>
-          </a:xfrm>
-          <a:prstGeom prst="rect">
-            <a:avLst/>
-          </a:prstGeom>
-          <a:extLst>
-            <a:ext uri="{C572A759-6A51-4108-AA02-DFA0A04FC94B}">
-              <ma14:wrappingTextBoxFlag xmlns:ma14="http://schemas.microsoft.com/office/mac/drawingml/2011/main" val="1"/>
-            </a:ext>
-          </a:extLst>
-        </p:spPr>
-        <p:txBody>
-          <a:bodyPr/>
-          <a:lstStyle>
-            <a:lvl1pPr>
-              <a:defRPr sz="4200"/>
-            </a:lvl1pPr>
-          </a:lstStyle>
-          <a:p>
-            <a:pPr/>
-            <a:r>
-              <a:t>ECサイトの導入して購入者を増やしたい</a:t>
-            </a:r>
-          </a:p>
-        </p:txBody>
-      </p:sp>
-      <p:sp>
-        <p:nvSpPr>
-          <p:cNvPr id="156" name="〜依頼の背景〜…"/>
+              <a:t>制作背景</a:t>
+            </a:r>
+          </a:p>
+        </p:txBody>
+      </p:sp>
+      <p:sp>
+        <p:nvSpPr>
+          <p:cNvPr id="155" name="コロナ禍でWebへの需要が色々な業種で高まり、小規模な店舗でもECサイトを実装したWebサイトは非常に増えました。私はアニメが好きということもあり、一作目はアニメ系の分野での制作を決めました。…"/>
           <p:cNvSpPr txBox="1"/>
           <p:nvPr>
             <p:ph type="body" sz="half" idx="1"/>
@@ -4088,8 +4052,8 @@
         </p:nvSpPr>
         <p:spPr>
           <a:xfrm>
-            <a:off x="1206499" y="2909585"/>
-            <a:ext cx="21971001" cy="6042243"/>
+            <a:off x="12253247" y="3823891"/>
+            <a:ext cx="10924253" cy="9307206"/>
           </a:xfrm>
           <a:prstGeom prst="rect">
             <a:avLst/>
@@ -4099,7 +4063,7 @@
           <a:bodyPr/>
           <a:lstStyle/>
           <a:p>
-            <a:pPr marL="0" indent="0" defTabSz="365760">
+            <a:pPr marL="0" indent="0" defTabSz="306324">
               <a:lnSpc>
                 <a:spcPct val="100000"/>
               </a:lnSpc>
@@ -4108,14 +4072,14 @@
               </a:spcBef>
               <a:buSzTx/>
               <a:buNone/>
-              <a:defRPr sz="3680"/>
+              <a:defRPr sz="3082"/>
             </a:pPr>
             <a:r>
-              <a:t>〜依頼の背景〜</a:t>
-            </a:r>
-          </a:p>
-          <a:p>
-            <a:pPr marL="0" indent="0" defTabSz="365760">
+              <a:t>　コロナ禍でWebへの需要が色々な業種で高まり、小規模な店舗でもECサイトを実装したWebサイトは非常に増えました。私はアニメが好きということもあり、一作目はアニメ系の分野での制作を決めました。</a:t>
+            </a:r>
+          </a:p>
+          <a:p>
+            <a:pPr marL="0" indent="0" defTabSz="306324">
               <a:lnSpc>
                 <a:spcPct val="100000"/>
               </a:lnSpc>
@@ -4124,14 +4088,14 @@
               </a:spcBef>
               <a:buSzTx/>
               <a:buNone/>
-              <a:defRPr sz="3680"/>
+              <a:defRPr sz="3082"/>
             </a:pPr>
             <a:r>
-              <a:t>中野駅徒歩１分の場所でアニメグッズショップ「PKストア」を経営、現在は店舗ホームページはなく、コロナ禍も落ち着きイベント帰り客や観光者が立ち寄ってくれるきっかけになればとTwitterとインスタグラムとYouTubeを展開しているが思うように伸びず苦戦</a:t>
-            </a:r>
-          </a:p>
-          <a:p>
-            <a:pPr marL="0" indent="0" defTabSz="365760">
+              <a:t>　どのような機能を実装するのかとなったときに、ECサイトはいろいろな分野のサイトでも役に立てる技術だと思った事、またWEBサイト制作を学び出した当初からも考えていたこともあったのでアニメ系とECサイトを中心に制作していきたいと考えました。</a:t>
+            </a:r>
+          </a:p>
+          <a:p>
+            <a:pPr marL="0" indent="0" defTabSz="306324">
               <a:lnSpc>
                 <a:spcPct val="100000"/>
               </a:lnSpc>
@@ -4140,14 +4104,14 @@
               </a:spcBef>
               <a:buSzTx/>
               <a:buNone/>
-              <a:defRPr sz="3680"/>
+              <a:defRPr sz="3082"/>
             </a:pPr>
             <a:r>
-              <a:t>今回は会員限定のグッズ販売をECサイトで販売するため新たにホームページを作り、現在のSNSともリンクさせ、店舗情報を一貫して見れる場所を作りたい</a:t>
-            </a:r>
-          </a:p>
-          <a:p>
-            <a:pPr marL="0" indent="0" defTabSz="365760">
+              <a:t>　次に考えた事はECサイトと同様に「どのような分野でも役に立てるサイト作り」です。これはユーザー目線に立てるようなサイトが作りたいと思いました。</a:t>
+            </a:r>
+          </a:p>
+          <a:p>
+            <a:pPr marL="0" indent="0" defTabSz="306324">
               <a:lnSpc>
                 <a:spcPct val="100000"/>
               </a:lnSpc>
@@ -4156,24 +4120,53 @@
               </a:spcBef>
               <a:buSzTx/>
               <a:buNone/>
-              <a:defRPr sz="3680"/>
+              <a:defRPr sz="3082"/>
             </a:pPr>
             <a:r>
-              <a:t>ターゲットはアニメファン、都外在住者でイベントや観光などでの東京に宿泊者の店舗の立ち寄りも視野に入れたい</a:t>
-            </a:r>
-          </a:p>
-        </p:txBody>
-      </p:sp>
-      <p:sp>
-        <p:nvSpPr>
-          <p:cNvPr id="157" name="店舗の利用者を増やしたい"/>
+              <a:t>私自身よくサイト内で迷子になることがあるので「シンプルで分かりやすい」「見たい情報がTOPページから見れる」ようなWEB制作に決めました。</a:t>
+            </a:r>
+          </a:p>
+        </p:txBody>
+      </p:sp>
+      <p:pic>
+        <p:nvPicPr>
+          <p:cNvPr id="156" name="スクリーンショット 0005-08-01 23.31.23.png" descr="スクリーンショット 0005-08-01 23.31.23.png"/>
+          <p:cNvPicPr>
+            <a:picLocks noChangeAspect="1"/>
+          </p:cNvPicPr>
+          <p:nvPr/>
+        </p:nvPicPr>
+        <p:blipFill>
+          <a:blip r:embed="rId2">
+            <a:extLst/>
+          </a:blip>
+          <a:stretch>
+            <a:fillRect/>
+          </a:stretch>
+        </p:blipFill>
+        <p:spPr>
+          <a:xfrm>
+            <a:off x="4011514" y="2658320"/>
+            <a:ext cx="4140201" cy="9791701"/>
+          </a:xfrm>
+          <a:prstGeom prst="rect">
+            <a:avLst/>
+          </a:prstGeom>
+          <a:ln w="12700">
+            <a:miter lim="400000"/>
+          </a:ln>
+        </p:spPr>
+      </p:pic>
+      <p:sp>
+        <p:nvSpPr>
+          <p:cNvPr id="157" name="TOP"/>
           <p:cNvSpPr txBox="1"/>
           <p:nvPr/>
         </p:nvSpPr>
         <p:spPr>
           <a:xfrm>
-            <a:off x="7837026" y="11588232"/>
-            <a:ext cx="21971001" cy="934780"/>
+            <a:off x="4814363" y="1077359"/>
+            <a:ext cx="2690618" cy="1433164"/>
           </a:xfrm>
           <a:prstGeom prst="rect">
             <a:avLst/>
@@ -4188,12 +4181,15 @@
           </a:extLst>
         </p:spPr>
         <p:txBody>
-          <a:bodyPr lIns="45719" rIns="45719">
+          <a:bodyPr lIns="50800" tIns="50800" rIns="50800" bIns="50800">
             <a:normAutofit fontScale="100000" lnSpcReduction="0"/>
           </a:bodyPr>
           <a:lstStyle>
-            <a:lvl1pPr algn="l" defTabSz="825500">
-              <a:defRPr sz="4200">
+            <a:lvl1pPr algn="l">
+              <a:lnSpc>
+                <a:spcPct val="80000"/>
+              </a:lnSpc>
+              <a:defRPr spc="-170" sz="8500">
                 <a:solidFill>
                   <a:srgbClr val="000000"/>
                 </a:solidFill>
@@ -4207,103 +4203,7 @@
           <a:p>
             <a:pPr/>
             <a:r>
-              <a:t>店舗の利用者を増やしたい</a:t>
-            </a:r>
-          </a:p>
-        </p:txBody>
-      </p:sp>
-      <p:sp>
-        <p:nvSpPr>
-          <p:cNvPr id="158" name="ファンを増やしたい"/>
-          <p:cNvSpPr txBox="1"/>
-          <p:nvPr/>
-        </p:nvSpPr>
-        <p:spPr>
-          <a:xfrm>
-            <a:off x="7837026" y="12451832"/>
-            <a:ext cx="21971001" cy="934780"/>
-          </a:xfrm>
-          <a:prstGeom prst="rect">
-            <a:avLst/>
-          </a:prstGeom>
-          <a:ln w="12700">
-            <a:miter lim="400000"/>
-          </a:ln>
-          <a:extLst>
-            <a:ext uri="{C572A759-6A51-4108-AA02-DFA0A04FC94B}">
-              <ma14:wrappingTextBoxFlag xmlns:ma14="http://schemas.microsoft.com/office/mac/drawingml/2011/main" val="1"/>
-            </a:ext>
-          </a:extLst>
-        </p:spPr>
-        <p:txBody>
-          <a:bodyPr lIns="45719" rIns="45719">
-            <a:normAutofit fontScale="100000" lnSpcReduction="0"/>
-          </a:bodyPr>
-          <a:lstStyle>
-            <a:lvl1pPr algn="l" defTabSz="825500">
-              <a:defRPr sz="4200">
-                <a:solidFill>
-                  <a:srgbClr val="000000"/>
-                </a:solidFill>
-                <a:latin typeface="+mn-lt"/>
-                <a:ea typeface="+mn-ea"/>
-                <a:cs typeface="+mn-cs"/>
-                <a:sym typeface="ヒラギノ角ゴ ProN W6"/>
-              </a:defRPr>
-            </a:lvl1pPr>
-          </a:lstStyle>
-          <a:p>
-            <a:pPr/>
-            <a:r>
-              <a:t>ファンを増やしたい</a:t>
-            </a:r>
-          </a:p>
-        </p:txBody>
-      </p:sp>
-      <p:sp>
-        <p:nvSpPr>
-          <p:cNvPr id="159" name="〜要望〜"/>
-          <p:cNvSpPr txBox="1"/>
-          <p:nvPr/>
-        </p:nvSpPr>
-        <p:spPr>
-          <a:xfrm>
-            <a:off x="2575847" y="11588232"/>
-            <a:ext cx="21971001" cy="934780"/>
-          </a:xfrm>
-          <a:prstGeom prst="rect">
-            <a:avLst/>
-          </a:prstGeom>
-          <a:ln w="12700">
-            <a:miter lim="400000"/>
-          </a:ln>
-          <a:extLst>
-            <a:ext uri="{C572A759-6A51-4108-AA02-DFA0A04FC94B}">
-              <ma14:wrappingTextBoxFlag xmlns:ma14="http://schemas.microsoft.com/office/mac/drawingml/2011/main" val="1"/>
-            </a:ext>
-          </a:extLst>
-        </p:spPr>
-        <p:txBody>
-          <a:bodyPr lIns="45719" rIns="45719">
-            <a:normAutofit fontScale="100000" lnSpcReduction="0"/>
-          </a:bodyPr>
-          <a:lstStyle>
-            <a:lvl1pPr algn="l" defTabSz="825500">
-              <a:defRPr sz="5500">
-                <a:solidFill>
-                  <a:srgbClr val="000000"/>
-                </a:solidFill>
-                <a:latin typeface="+mn-lt"/>
-                <a:ea typeface="+mn-ea"/>
-                <a:cs typeface="+mn-cs"/>
-                <a:sym typeface="ヒラギノ角ゴ ProN W6"/>
-              </a:defRPr>
-            </a:lvl1pPr>
-          </a:lstStyle>
-          <a:p>
-            <a:pPr/>
-            <a:r>
-              <a:t>〜要望〜</a:t>
+              <a:t>TOP</a:t>
             </a:r>
           </a:p>
         </p:txBody>
@@ -4336,7 +4236,7 @@
       </p:grpSpPr>
       <p:sp>
         <p:nvSpPr>
-          <p:cNvPr id="161" name="TOP"/>
+          <p:cNvPr id="159" name="機能紹介①"/>
           <p:cNvSpPr txBox="1"/>
           <p:nvPr>
             <p:ph type="title"/>
@@ -4344,8 +4244,8 @@
         </p:nvSpPr>
         <p:spPr>
           <a:xfrm>
-            <a:off x="1206500" y="1077359"/>
-            <a:ext cx="21971000" cy="1433164"/>
+            <a:off x="1100562" y="783936"/>
+            <a:ext cx="4906883" cy="2020010"/>
           </a:xfrm>
           <a:prstGeom prst="rect">
             <a:avLst/>
@@ -4353,18 +4253,22 @@
         </p:spPr>
         <p:txBody>
           <a:bodyPr/>
-          <a:lstStyle/>
+          <a:lstStyle>
+            <a:lvl1pPr defTabSz="2194505">
+              <a:defRPr spc="-153" sz="7650"/>
+            </a:lvl1pPr>
+          </a:lstStyle>
           <a:p>
             <a:pPr/>
             <a:r>
-              <a:t>TOP</a:t>
+              <a:t>機能紹介①</a:t>
             </a:r>
           </a:p>
         </p:txBody>
       </p:sp>
       <p:pic>
         <p:nvPicPr>
-          <p:cNvPr id="162" name="スクリーンショット 0005-08-01 23.31.23.png" descr="スクリーンショット 0005-08-01 23.31.23.png"/>
+          <p:cNvPr id="160" name="スクリーンショット 0005-08-01 23.42.44.png" descr="スクリーンショット 0005-08-01 23.42.44.png"/>
           <p:cNvPicPr>
             <a:picLocks noChangeAspect="1"/>
           </p:cNvPicPr>
@@ -4380,8 +4284,8 @@
         </p:blipFill>
         <p:spPr>
           <a:xfrm>
-            <a:off x="1008558" y="2757983"/>
-            <a:ext cx="4140201" cy="9791701"/>
+            <a:off x="18870942" y="4244126"/>
+            <a:ext cx="4797913" cy="3786108"/>
           </a:xfrm>
           <a:prstGeom prst="rect">
             <a:avLst/>
@@ -4391,16 +4295,74 @@
           </a:ln>
         </p:spPr>
       </p:pic>
-      <p:sp>
-        <p:nvSpPr>
-          <p:cNvPr id="163" name="要望であるECサイトを実装し、店舗情報SNSのリンクをTOPページから画面遷移なくても見れるように配置し、遷移ページではより詳細な情報を閲覧できるよう作成する…"/>
+      <p:pic>
+        <p:nvPicPr>
+          <p:cNvPr id="161" name="スクリーンショット 0005-08-01 23.44.09.png" descr="スクリーンショット 0005-08-01 23.44.09.png"/>
+          <p:cNvPicPr>
+            <a:picLocks noChangeAspect="1"/>
+          </p:cNvPicPr>
+          <p:nvPr/>
+        </p:nvPicPr>
+        <p:blipFill>
+          <a:blip r:embed="rId3">
+            <a:extLst/>
+          </a:blip>
+          <a:stretch>
+            <a:fillRect/>
+          </a:stretch>
+        </p:blipFill>
+        <p:spPr>
+          <a:xfrm>
+            <a:off x="1418041" y="4209845"/>
+            <a:ext cx="3810001" cy="4191001"/>
+          </a:xfrm>
+          <a:prstGeom prst="rect">
+            <a:avLst/>
+          </a:prstGeom>
+          <a:ln w="12700">
+            <a:miter lim="400000"/>
+          </a:ln>
+        </p:spPr>
+      </p:pic>
+      <p:pic>
+        <p:nvPicPr>
+          <p:cNvPr id="162" name="スクリーンショット 0005-08-01 23.45.08.png" descr="スクリーンショット 0005-08-01 23.45.08.png"/>
+          <p:cNvPicPr>
+            <a:picLocks noChangeAspect="1"/>
+          </p:cNvPicPr>
+          <p:nvPr/>
+        </p:nvPicPr>
+        <p:blipFill>
+          <a:blip r:embed="rId4">
+            <a:extLst/>
+          </a:blip>
+          <a:stretch>
+            <a:fillRect/>
+          </a:stretch>
+        </p:blipFill>
+        <p:spPr>
+          <a:xfrm>
+            <a:off x="1911866" y="9057161"/>
+            <a:ext cx="3784601" cy="4292601"/>
+          </a:xfrm>
+          <a:prstGeom prst="rect">
+            <a:avLst/>
+          </a:prstGeom>
+          <a:ln w="12700">
+            <a:miter lim="400000"/>
+          </a:ln>
+        </p:spPr>
+      </p:pic>
+      <p:sp>
+        <p:nvSpPr>
+          <p:cNvPr id="163" name="会員制度"/>
           <p:cNvSpPr txBox="1"/>
           <p:nvPr/>
         </p:nvSpPr>
         <p:spPr>
           <a:xfrm>
-            <a:off x="6031461" y="1513744"/>
-            <a:ext cx="17271631" cy="10904506"/>
+            <a:off x="19453931" y="1930420"/>
+            <a:ext cx="2546020" cy="809607"/>
           </a:xfrm>
           <a:prstGeom prst="rect">
             <a:avLst/>
@@ -4418,114 +4380,537 @@
           <a:bodyPr lIns="50800" tIns="50800" rIns="50800" bIns="50800">
             <a:normAutofit fontScale="100000" lnSpcReduction="0"/>
           </a:bodyPr>
-          <a:lstStyle/>
-          <a:p>
-            <a:pPr algn="l">
+          <a:lstStyle>
+            <a:lvl1pPr algn="l">
               <a:lnSpc>
                 <a:spcPct val="90000"/>
               </a:lnSpc>
               <a:spcBef>
                 <a:spcPts val="4500"/>
               </a:spcBef>
-              <a:defRPr sz="3700">
+              <a:defRPr sz="4800">
                 <a:solidFill>
                   <a:srgbClr val="000000"/>
                 </a:solidFill>
               </a:defRPr>
-            </a:pPr>
-            <a:r>
-              <a:t>要望であるECサイトを実装し、店舗情報SNSのリンクをTOPページから画面遷移なくても見れるように配置し、遷移ページではより詳細な情報を閲覧できるよう作成する</a:t>
-            </a:r>
-          </a:p>
-          <a:p>
-            <a:pPr algn="l">
+            </a:lvl1pPr>
+          </a:lstStyle>
+          <a:p>
+            <a:pPr/>
+            <a:r>
+              <a:t>会員制度</a:t>
+            </a:r>
+          </a:p>
+        </p:txBody>
+      </p:sp>
+      <p:sp>
+        <p:nvSpPr>
+          <p:cNvPr id="164" name="SNSリンク"/>
+          <p:cNvSpPr txBox="1"/>
+          <p:nvPr/>
+        </p:nvSpPr>
+        <p:spPr>
+          <a:xfrm>
+            <a:off x="6128591" y="9397300"/>
+            <a:ext cx="3898901" cy="1017768"/>
+          </a:xfrm>
+          <a:prstGeom prst="rect">
+            <a:avLst/>
+          </a:prstGeom>
+          <a:ln w="12700">
+            <a:miter lim="400000"/>
+          </a:ln>
+          <a:extLst>
+            <a:ext uri="{C572A759-6A51-4108-AA02-DFA0A04FC94B}">
+              <ma14:wrappingTextBoxFlag xmlns:ma14="http://schemas.microsoft.com/office/mac/drawingml/2011/main" val="1"/>
+            </a:ext>
+          </a:extLst>
+        </p:spPr>
+        <p:txBody>
+          <a:bodyPr lIns="50800" tIns="50800" rIns="50800" bIns="50800">
+            <a:normAutofit fontScale="100000" lnSpcReduction="0"/>
+          </a:bodyPr>
+          <a:lstStyle>
+            <a:lvl1pPr algn="l">
               <a:lnSpc>
                 <a:spcPct val="90000"/>
               </a:lnSpc>
               <a:spcBef>
                 <a:spcPts val="4500"/>
               </a:spcBef>
-              <a:defRPr sz="3700">
+              <a:defRPr sz="4800">
                 <a:solidFill>
                   <a:srgbClr val="000000"/>
                 </a:solidFill>
               </a:defRPr>
-            </a:pPr>
-            <a:r>
-              <a:t>有名店ではないので熱量の低いユーザーが訪れても見やすいようなるべくシンプルなフォントで見やすいデザインで作成する</a:t>
-            </a:r>
-          </a:p>
-          <a:p>
-            <a:pPr algn="l">
+            </a:lvl1pPr>
+          </a:lstStyle>
+          <a:p>
+            <a:pPr/>
+            <a:r>
+              <a:t>SNSリンク</a:t>
+            </a:r>
+          </a:p>
+        </p:txBody>
+      </p:sp>
+      <p:sp>
+        <p:nvSpPr>
+          <p:cNvPr id="165" name="会員限定ECサイト"/>
+          <p:cNvSpPr txBox="1"/>
+          <p:nvPr/>
+        </p:nvSpPr>
+        <p:spPr>
+          <a:xfrm>
+            <a:off x="2265823" y="2162382"/>
+            <a:ext cx="5294247" cy="1320386"/>
+          </a:xfrm>
+          <a:prstGeom prst="rect">
+            <a:avLst/>
+          </a:prstGeom>
+          <a:ln w="12700">
+            <a:miter lim="400000"/>
+          </a:ln>
+          <a:extLst>
+            <a:ext uri="{C572A759-6A51-4108-AA02-DFA0A04FC94B}">
+              <ma14:wrappingTextBoxFlag xmlns:ma14="http://schemas.microsoft.com/office/mac/drawingml/2011/main" val="1"/>
+            </a:ext>
+          </a:extLst>
+        </p:spPr>
+        <p:txBody>
+          <a:bodyPr lIns="50800" tIns="50800" rIns="50800" bIns="50800">
+            <a:normAutofit fontScale="100000" lnSpcReduction="0"/>
+          </a:bodyPr>
+          <a:lstStyle>
+            <a:lvl1pPr algn="l">
               <a:lnSpc>
                 <a:spcPct val="90000"/>
               </a:lnSpc>
               <a:spcBef>
                 <a:spcPts val="4500"/>
               </a:spcBef>
-              <a:defRPr sz="3700">
+              <a:defRPr sz="4800">
                 <a:solidFill>
                   <a:srgbClr val="000000"/>
                 </a:solidFill>
               </a:defRPr>
-            </a:pPr>
-            <a:r>
-              <a:t>会員・非会員が利用できるサイトでECサイトは会員のみの限定販売を行い利用者の数値化を行う</a:t>
-            </a:r>
-          </a:p>
-          <a:p>
-            <a:pPr algn="l">
+            </a:lvl1pPr>
+          </a:lstStyle>
+          <a:p>
+            <a:pPr/>
+            <a:r>
+              <a:t>会員限定ECサイト</a:t>
+            </a:r>
+          </a:p>
+        </p:txBody>
+      </p:sp>
+      <p:pic>
+        <p:nvPicPr>
+          <p:cNvPr id="166" name="スクリーンショット 0005-08-01 23.51.53.png" descr="スクリーンショット 0005-08-01 23.51.53.png"/>
+          <p:cNvPicPr>
+            <a:picLocks noChangeAspect="1"/>
+          </p:cNvPicPr>
+          <p:nvPr/>
+        </p:nvPicPr>
+        <p:blipFill>
+          <a:blip r:embed="rId5">
+            <a:extLst/>
+          </a:blip>
+          <a:stretch>
+            <a:fillRect/>
+          </a:stretch>
+        </p:blipFill>
+        <p:spPr>
+          <a:xfrm>
+            <a:off x="5023805" y="4235245"/>
+            <a:ext cx="3797301" cy="4140201"/>
+          </a:xfrm>
+          <a:prstGeom prst="rect">
+            <a:avLst/>
+          </a:prstGeom>
+          <a:ln w="12700">
+            <a:miter lim="400000"/>
+          </a:ln>
+        </p:spPr>
+      </p:pic>
+      <p:pic>
+        <p:nvPicPr>
+          <p:cNvPr id="167" name="スクリーンショット 0005-08-02 19.12.49.png" descr="スクリーンショット 0005-08-02 19.12.49.png"/>
+          <p:cNvPicPr>
+            <a:picLocks noChangeAspect="1"/>
+          </p:cNvPicPr>
+          <p:nvPr/>
+        </p:nvPicPr>
+        <p:blipFill>
+          <a:blip r:embed="rId6">
+            <a:extLst/>
+          </a:blip>
+          <a:stretch>
+            <a:fillRect/>
+          </a:stretch>
+        </p:blipFill>
+        <p:spPr>
+          <a:xfrm>
+            <a:off x="10442306" y="4286045"/>
+            <a:ext cx="5155154" cy="4038601"/>
+          </a:xfrm>
+          <a:prstGeom prst="rect">
+            <a:avLst/>
+          </a:prstGeom>
+          <a:ln w="12700">
+            <a:miter lim="400000"/>
+          </a:ln>
+        </p:spPr>
+      </p:pic>
+      <p:sp>
+        <p:nvSpPr>
+          <p:cNvPr id="168" name="店舗情報"/>
+          <p:cNvSpPr txBox="1"/>
+          <p:nvPr/>
+        </p:nvSpPr>
+        <p:spPr>
+          <a:xfrm>
+            <a:off x="11012402" y="1986615"/>
+            <a:ext cx="5294247" cy="1320385"/>
+          </a:xfrm>
+          <a:prstGeom prst="rect">
+            <a:avLst/>
+          </a:prstGeom>
+          <a:ln w="12700">
+            <a:miter lim="400000"/>
+          </a:ln>
+          <a:extLst>
+            <a:ext uri="{C572A759-6A51-4108-AA02-DFA0A04FC94B}">
+              <ma14:wrappingTextBoxFlag xmlns:ma14="http://schemas.microsoft.com/office/mac/drawingml/2011/main" val="1"/>
+            </a:ext>
+          </a:extLst>
+        </p:spPr>
+        <p:txBody>
+          <a:bodyPr lIns="50800" tIns="50800" rIns="50800" bIns="50800">
+            <a:normAutofit fontScale="100000" lnSpcReduction="0"/>
+          </a:bodyPr>
+          <a:lstStyle>
+            <a:lvl1pPr algn="l">
               <a:lnSpc>
                 <a:spcPct val="90000"/>
               </a:lnSpc>
               <a:spcBef>
                 <a:spcPts val="4500"/>
               </a:spcBef>
-              <a:defRPr sz="3700">
+              <a:defRPr sz="4800">
                 <a:solidFill>
                   <a:srgbClr val="000000"/>
                 </a:solidFill>
               </a:defRPr>
-            </a:pPr>
-            <a:r>
-              <a:t>店舗情報とSNSのリンクで店舗の利用にも結びつける</a:t>
-            </a:r>
-          </a:p>
-          <a:p>
-            <a:pPr algn="l">
+            </a:lvl1pPr>
+          </a:lstStyle>
+          <a:p>
+            <a:pPr/>
+            <a:r>
+              <a:t>店舗情報</a:t>
+            </a:r>
+          </a:p>
+        </p:txBody>
+      </p:sp>
+      <p:sp>
+        <p:nvSpPr>
+          <p:cNvPr id="169" name="利用率の高いGoogleマップリンクを実装したい"/>
+          <p:cNvSpPr txBox="1"/>
+          <p:nvPr/>
+        </p:nvSpPr>
+        <p:spPr>
+          <a:xfrm>
+            <a:off x="9373351" y="2759517"/>
+            <a:ext cx="6342091" cy="1320385"/>
+          </a:xfrm>
+          <a:prstGeom prst="rect">
+            <a:avLst/>
+          </a:prstGeom>
+          <a:ln w="12700">
+            <a:miter lim="400000"/>
+          </a:ln>
+          <a:extLst>
+            <a:ext uri="{C572A759-6A51-4108-AA02-DFA0A04FC94B}">
+              <ma14:wrappingTextBoxFlag xmlns:ma14="http://schemas.microsoft.com/office/mac/drawingml/2011/main" val="1"/>
+            </a:ext>
+          </a:extLst>
+        </p:spPr>
+        <p:txBody>
+          <a:bodyPr lIns="50800" tIns="50800" rIns="50800" bIns="50800">
+            <a:normAutofit fontScale="100000" lnSpcReduction="0"/>
+          </a:bodyPr>
+          <a:lstStyle>
+            <a:lvl1pPr algn="l">
               <a:lnSpc>
                 <a:spcPct val="90000"/>
               </a:lnSpc>
               <a:spcBef>
                 <a:spcPts val="4500"/>
               </a:spcBef>
-              <a:defRPr sz="3700">
+              <a:defRPr sz="3800">
                 <a:solidFill>
                   <a:srgbClr val="000000"/>
                 </a:solidFill>
               </a:defRPr>
-            </a:pPr>
-            <a:r>
-              <a:t>グッズ販売は新着とランキングの掲載で変化のあるwebサイト作りを狙いユーザーを飽きさせないようにする</a:t>
-            </a:r>
-          </a:p>
-          <a:p>
-            <a:pPr algn="l">
+            </a:lvl1pPr>
+          </a:lstStyle>
+          <a:p>
+            <a:pPr/>
+            <a:r>
+              <a:t>利用率の高いGoogleマップリンクを実装したい</a:t>
+            </a:r>
+          </a:p>
+        </p:txBody>
+      </p:sp>
+      <p:sp>
+        <p:nvSpPr>
+          <p:cNvPr id="170" name="会員限定のサービスの提供ができるので実装したい"/>
+          <p:cNvSpPr txBox="1"/>
+          <p:nvPr/>
+        </p:nvSpPr>
+        <p:spPr>
+          <a:xfrm>
+            <a:off x="18082539" y="2759517"/>
+            <a:ext cx="5961466" cy="1320385"/>
+          </a:xfrm>
+          <a:prstGeom prst="rect">
+            <a:avLst/>
+          </a:prstGeom>
+          <a:ln w="12700">
+            <a:miter lim="400000"/>
+          </a:ln>
+          <a:extLst>
+            <a:ext uri="{C572A759-6A51-4108-AA02-DFA0A04FC94B}">
+              <ma14:wrappingTextBoxFlag xmlns:ma14="http://schemas.microsoft.com/office/mac/drawingml/2011/main" val="1"/>
+            </a:ext>
+          </a:extLst>
+        </p:spPr>
+        <p:txBody>
+          <a:bodyPr lIns="50800" tIns="50800" rIns="50800" bIns="50800">
+            <a:normAutofit fontScale="100000" lnSpcReduction="0"/>
+          </a:bodyPr>
+          <a:lstStyle>
+            <a:lvl1pPr algn="l">
               <a:lnSpc>
                 <a:spcPct val="90000"/>
               </a:lnSpc>
               <a:spcBef>
                 <a:spcPts val="4500"/>
               </a:spcBef>
-              <a:defRPr sz="3700">
+              <a:defRPr sz="3800">
+                <a:solidFill>
+                  <a:srgbClr val="000000"/>
+                </a:solidFill>
+              </a:defRPr>
+            </a:lvl1pPr>
+          </a:lstStyle>
+          <a:p>
+            <a:pPr/>
+            <a:r>
+              <a:t>会員限定のサービスの提供ができるので実装したい</a:t>
+            </a:r>
+          </a:p>
+        </p:txBody>
+      </p:sp>
+      <p:sp>
+        <p:nvSpPr>
+          <p:cNvPr id="171" name="いろいろ業界で利用率が高いのでSNSのリンクは実装したい"/>
+          <p:cNvSpPr txBox="1"/>
+          <p:nvPr/>
+        </p:nvSpPr>
+        <p:spPr>
+          <a:xfrm>
+            <a:off x="5754225" y="10474016"/>
+            <a:ext cx="4133980" cy="2786578"/>
+          </a:xfrm>
+          <a:prstGeom prst="rect">
+            <a:avLst/>
+          </a:prstGeom>
+          <a:ln w="12700">
+            <a:miter lim="400000"/>
+          </a:ln>
+          <a:extLst>
+            <a:ext uri="{C572A759-6A51-4108-AA02-DFA0A04FC94B}">
+              <ma14:wrappingTextBoxFlag xmlns:ma14="http://schemas.microsoft.com/office/mac/drawingml/2011/main" val="1"/>
+            </a:ext>
+          </a:extLst>
+        </p:spPr>
+        <p:txBody>
+          <a:bodyPr lIns="50800" tIns="50800" rIns="50800" bIns="50800">
+            <a:normAutofit fontScale="100000" lnSpcReduction="0"/>
+          </a:bodyPr>
+          <a:lstStyle>
+            <a:lvl1pPr algn="l">
+              <a:lnSpc>
+                <a:spcPct val="90000"/>
+              </a:lnSpc>
+              <a:spcBef>
+                <a:spcPts val="4500"/>
+              </a:spcBef>
+              <a:defRPr sz="3800">
+                <a:solidFill>
+                  <a:srgbClr val="000000"/>
+                </a:solidFill>
+              </a:defRPr>
+            </a:lvl1pPr>
+          </a:lstStyle>
+          <a:p>
+            <a:pPr/>
+            <a:r>
+              <a:t>いろいろ業界で利用率が高いのでSNSのリンクは実装したい</a:t>
+            </a:r>
+          </a:p>
+        </p:txBody>
+      </p:sp>
+      <p:sp>
+        <p:nvSpPr>
+          <p:cNvPr id="172" name="利便性からも検索機能は実装したい"/>
+          <p:cNvSpPr txBox="1"/>
+          <p:nvPr/>
+        </p:nvSpPr>
+        <p:spPr>
+          <a:xfrm>
+            <a:off x="1901997" y="2859403"/>
+            <a:ext cx="6342091" cy="1320385"/>
+          </a:xfrm>
+          <a:prstGeom prst="rect">
+            <a:avLst/>
+          </a:prstGeom>
+          <a:ln w="12700">
+            <a:miter lim="400000"/>
+          </a:ln>
+          <a:extLst>
+            <a:ext uri="{C572A759-6A51-4108-AA02-DFA0A04FC94B}">
+              <ma14:wrappingTextBoxFlag xmlns:ma14="http://schemas.microsoft.com/office/mac/drawingml/2011/main" val="1"/>
+            </a:ext>
+          </a:extLst>
+        </p:spPr>
+        <p:txBody>
+          <a:bodyPr lIns="50800" tIns="50800" rIns="50800" bIns="50800">
+            <a:normAutofit fontScale="100000" lnSpcReduction="0"/>
+          </a:bodyPr>
+          <a:lstStyle>
+            <a:lvl1pPr algn="l">
+              <a:lnSpc>
+                <a:spcPct val="90000"/>
+              </a:lnSpc>
+              <a:spcBef>
+                <a:spcPts val="4500"/>
+              </a:spcBef>
+              <a:defRPr sz="3800">
+                <a:solidFill>
+                  <a:srgbClr val="000000"/>
+                </a:solidFill>
+              </a:defRPr>
+            </a:lvl1pPr>
+          </a:lstStyle>
+          <a:p>
+            <a:pPr/>
+            <a:r>
+              <a:t>利便性からも検索機能は実装したい</a:t>
+            </a:r>
+          </a:p>
+        </p:txBody>
+      </p:sp>
+      <p:sp>
+        <p:nvSpPr>
+          <p:cNvPr id="173" name="今現状の自分の実力を見たときに最低限ここの機能は実装できるようになって起きたいとかんがえました。…"/>
+          <p:cNvSpPr txBox="1"/>
+          <p:nvPr/>
+        </p:nvSpPr>
+        <p:spPr>
+          <a:xfrm>
+            <a:off x="13273627" y="10137685"/>
+            <a:ext cx="9078628" cy="2786578"/>
+          </a:xfrm>
+          <a:prstGeom prst="rect">
+            <a:avLst/>
+          </a:prstGeom>
+          <a:ln w="12700">
+            <a:miter lim="400000"/>
+          </a:ln>
+          <a:extLst>
+            <a:ext uri="{C572A759-6A51-4108-AA02-DFA0A04FC94B}">
+              <ma14:wrappingTextBoxFlag xmlns:ma14="http://schemas.microsoft.com/office/mac/drawingml/2011/main" val="1"/>
+            </a:ext>
+          </a:extLst>
+        </p:spPr>
+        <p:txBody>
+          <a:bodyPr lIns="50800" tIns="50800" rIns="50800" bIns="50800">
+            <a:normAutofit fontScale="100000" lnSpcReduction="0"/>
+          </a:bodyPr>
+          <a:lstStyle/>
+          <a:p>
+            <a:pPr algn="l" defTabSz="1804370">
+              <a:lnSpc>
+                <a:spcPct val="90000"/>
+              </a:lnSpc>
+              <a:spcBef>
+                <a:spcPts val="3300"/>
+              </a:spcBef>
+              <a:defRPr sz="2812">
                 <a:solidFill>
                   <a:srgbClr val="000000"/>
                 </a:solidFill>
               </a:defRPr>
             </a:pPr>
             <a:r>
-              <a:t>スライドショーで動きのあるページを作る</a:t>
-            </a:r>
+              <a:t>今現状の自分の実力を見たときに最低限ここの機能は実装できるようになって起きたいとかんがえました。</a:t>
+            </a:r>
+          </a:p>
+          <a:p>
+            <a:pPr algn="l" defTabSz="1804370">
+              <a:lnSpc>
+                <a:spcPct val="90000"/>
+              </a:lnSpc>
+              <a:spcBef>
+                <a:spcPts val="3300"/>
+              </a:spcBef>
+              <a:defRPr sz="2812">
+                <a:solidFill>
+                  <a:srgbClr val="000000"/>
+                </a:solidFill>
+              </a:defRPr>
+            </a:pPr>
+            <a:r>
+              <a:t>次のページは将来的にできるようになりたいことも含まれています（区別するためグレーアウトしています。）</a:t>
+            </a:r>
+          </a:p>
+        </p:txBody>
+      </p:sp>
+      <p:sp>
+        <p:nvSpPr>
+          <p:cNvPr id="174" name="四角形"/>
+          <p:cNvSpPr/>
+          <p:nvPr/>
+        </p:nvSpPr>
+        <p:spPr>
+          <a:xfrm>
+            <a:off x="13205797" y="11508946"/>
+            <a:ext cx="9214288" cy="1188067"/>
+          </a:xfrm>
+          <a:prstGeom prst="rect">
+            <a:avLst/>
+          </a:prstGeom>
+          <a:solidFill>
+            <a:srgbClr val="000000">
+              <a:alpha val="32432"/>
+            </a:srgbClr>
+          </a:solidFill>
+          <a:ln w="12700">
+            <a:miter lim="400000"/>
+          </a:ln>
+        </p:spPr>
+        <p:txBody>
+          <a:bodyPr lIns="50800" tIns="50800" rIns="50800" bIns="50800" anchor="ctr"/>
+          <a:lstStyle/>
+          <a:p>
+            <a:pPr defTabSz="825500">
+              <a:defRPr sz="3200">
+                <a:solidFill>
+                  <a:srgbClr val="FFFFFF"/>
+                </a:solidFill>
+              </a:defRPr>
+            </a:pPr>
           </a:p>
         </p:txBody>
       </p:sp>
@@ -4557,7 +4942,7 @@
       </p:grpSpPr>
       <p:sp>
         <p:nvSpPr>
-          <p:cNvPr id="165" name="機能紹介"/>
+          <p:cNvPr id="176" name="機能紹介"/>
           <p:cNvSpPr txBox="1"/>
           <p:nvPr>
             <p:ph type="title"/>
@@ -4585,7 +4970,7 @@
       </p:sp>
       <p:pic>
         <p:nvPicPr>
-          <p:cNvPr id="166" name="スクリーンショット 0005-08-01 23.42.44.png" descr="スクリーンショット 0005-08-01 23.42.44.png"/>
+          <p:cNvPr id="177" name="スクリーンショット 0005-08-01 23.43.38.png" descr="スクリーンショット 0005-08-01 23.43.38.png"/>
           <p:cNvPicPr>
             <a:picLocks noChangeAspect="1"/>
           </p:cNvPicPr>
@@ -4601,8 +4986,8 @@
         </p:blipFill>
         <p:spPr>
           <a:xfrm>
-            <a:off x="522063" y="3991022"/>
-            <a:ext cx="4797913" cy="3786108"/>
+            <a:off x="13074975" y="9354005"/>
+            <a:ext cx="3759201" cy="4038601"/>
           </a:xfrm>
           <a:prstGeom prst="rect">
             <a:avLst/>
@@ -4614,7 +4999,7 @@
       </p:pic>
       <p:pic>
         <p:nvPicPr>
-          <p:cNvPr id="167" name="スクリーンショット 0005-08-01 23.43.38.png" descr="スクリーンショット 0005-08-01 23.43.38.png"/>
+          <p:cNvPr id="178" name="スクリーンショット 0005-08-01 23.43.52.png" descr="スクリーンショット 0005-08-01 23.43.52.png"/>
           <p:cNvPicPr>
             <a:picLocks noChangeAspect="1"/>
           </p:cNvPicPr>
@@ -4630,8 +5015,8 @@
         </p:blipFill>
         <p:spPr>
           <a:xfrm>
-            <a:off x="19465264" y="9365932"/>
-            <a:ext cx="3759201" cy="4038601"/>
+            <a:off x="2215376" y="8801533"/>
+            <a:ext cx="3898901" cy="4254501"/>
           </a:xfrm>
           <a:prstGeom prst="rect">
             <a:avLst/>
@@ -4643,7 +5028,7 @@
       </p:pic>
       <p:pic>
         <p:nvPicPr>
-          <p:cNvPr id="168" name="スクリーンショット 0005-08-01 23.43.52.png" descr="スクリーンショット 0005-08-01 23.43.52.png"/>
+          <p:cNvPr id="179" name="スクリーンショット 0005-08-01 23.45.17.png" descr="スクリーンショット 0005-08-01 23.45.17.png"/>
           <p:cNvPicPr>
             <a:picLocks noChangeAspect="1"/>
           </p:cNvPicPr>
@@ -4659,8 +5044,8 @@
         </p:blipFill>
         <p:spPr>
           <a:xfrm>
-            <a:off x="7633626" y="9257982"/>
-            <a:ext cx="3898901" cy="4254501"/>
+            <a:off x="12680842" y="3595477"/>
+            <a:ext cx="3873501" cy="4165601"/>
           </a:xfrm>
           <a:prstGeom prst="rect">
             <a:avLst/>
@@ -4670,253 +5055,16 @@
           </a:ln>
         </p:spPr>
       </p:pic>
-      <p:pic>
-        <p:nvPicPr>
-          <p:cNvPr id="169" name="スクリーンショット 0005-08-01 23.44.09.png" descr="スクリーンショット 0005-08-01 23.44.09.png"/>
-          <p:cNvPicPr>
-            <a:picLocks noChangeAspect="1"/>
-          </p:cNvPicPr>
-          <p:nvPr/>
-        </p:nvPicPr>
-        <p:blipFill>
-          <a:blip r:embed="rId5">
-            <a:extLst/>
-          </a:blip>
-          <a:stretch>
-            <a:fillRect/>
-          </a:stretch>
-        </p:blipFill>
-        <p:spPr>
-          <a:xfrm>
-            <a:off x="10266472" y="3935463"/>
-            <a:ext cx="3810001" cy="4191001"/>
-          </a:xfrm>
-          <a:prstGeom prst="rect">
-            <a:avLst/>
-          </a:prstGeom>
-          <a:ln w="12700">
-            <a:miter lim="400000"/>
-          </a:ln>
-        </p:spPr>
-      </p:pic>
-      <p:pic>
-        <p:nvPicPr>
-          <p:cNvPr id="170" name="スクリーンショット 0005-08-01 23.45.08.png" descr="スクリーンショット 0005-08-01 23.45.08.png"/>
-          <p:cNvPicPr>
-            <a:picLocks noChangeAspect="1"/>
-          </p:cNvPicPr>
-          <p:nvPr/>
-        </p:nvPicPr>
-        <p:blipFill>
-          <a:blip r:embed="rId6">
-            <a:extLst/>
-          </a:blip>
-          <a:stretch>
-            <a:fillRect/>
-          </a:stretch>
-        </p:blipFill>
-        <p:spPr>
-          <a:xfrm>
-            <a:off x="5900924" y="3884663"/>
-            <a:ext cx="3784601" cy="4292601"/>
-          </a:xfrm>
-          <a:prstGeom prst="rect">
-            <a:avLst/>
-          </a:prstGeom>
-          <a:ln w="12700">
-            <a:miter lim="400000"/>
-          </a:ln>
-        </p:spPr>
-      </p:pic>
-      <p:pic>
-        <p:nvPicPr>
-          <p:cNvPr id="171" name="スクリーンショット 0005-08-01 23.45.17.png" descr="スクリーンショット 0005-08-01 23.45.17.png"/>
-          <p:cNvPicPr>
-            <a:picLocks noChangeAspect="1"/>
-          </p:cNvPicPr>
-          <p:nvPr/>
-        </p:nvPicPr>
-        <p:blipFill>
-          <a:blip r:embed="rId7">
-            <a:extLst/>
-          </a:blip>
-          <a:stretch>
-            <a:fillRect/>
-          </a:stretch>
-        </p:blipFill>
-        <p:spPr>
-          <a:xfrm>
-            <a:off x="14074213" y="9302432"/>
-            <a:ext cx="3873501" cy="4165601"/>
-          </a:xfrm>
-          <a:prstGeom prst="rect">
-            <a:avLst/>
-          </a:prstGeom>
-          <a:ln w="12700">
-            <a:miter lim="400000"/>
-          </a:ln>
-        </p:spPr>
-      </p:pic>
-      <p:sp>
-        <p:nvSpPr>
-          <p:cNvPr id="172" name="会員制度"/>
+      <p:sp>
+        <p:nvSpPr>
+          <p:cNvPr id="180" name="新着グッズ"/>
           <p:cNvSpPr txBox="1"/>
           <p:nvPr/>
         </p:nvSpPr>
         <p:spPr>
           <a:xfrm>
-            <a:off x="1479844" y="2771248"/>
-            <a:ext cx="2546020" cy="809607"/>
-          </a:xfrm>
-          <a:prstGeom prst="rect">
-            <a:avLst/>
-          </a:prstGeom>
-          <a:ln w="12700">
-            <a:miter lim="400000"/>
-          </a:ln>
-          <a:extLst>
-            <a:ext uri="{C572A759-6A51-4108-AA02-DFA0A04FC94B}">
-              <ma14:wrappingTextBoxFlag xmlns:ma14="http://schemas.microsoft.com/office/mac/drawingml/2011/main" val="1"/>
-            </a:ext>
-          </a:extLst>
-        </p:spPr>
-        <p:txBody>
-          <a:bodyPr lIns="50800" tIns="50800" rIns="50800" bIns="50800">
-            <a:normAutofit fontScale="100000" lnSpcReduction="0"/>
-          </a:bodyPr>
-          <a:lstStyle>
-            <a:lvl1pPr algn="l">
-              <a:lnSpc>
-                <a:spcPct val="90000"/>
-              </a:lnSpc>
-              <a:spcBef>
-                <a:spcPts val="4500"/>
-              </a:spcBef>
-              <a:defRPr sz="4800">
-                <a:solidFill>
-                  <a:srgbClr val="000000"/>
-                </a:solidFill>
-              </a:defRPr>
-            </a:lvl1pPr>
-          </a:lstStyle>
-          <a:p>
-            <a:pPr/>
-            <a:r>
-              <a:t>会員制度</a:t>
-            </a:r>
-          </a:p>
-        </p:txBody>
-      </p:sp>
-      <p:sp>
-        <p:nvSpPr>
-          <p:cNvPr id="173" name="SNSリンク"/>
-          <p:cNvSpPr txBox="1"/>
-          <p:nvPr/>
-        </p:nvSpPr>
-        <p:spPr>
-          <a:xfrm>
-            <a:off x="5888354" y="2835421"/>
-            <a:ext cx="3898901" cy="1017768"/>
-          </a:xfrm>
-          <a:prstGeom prst="rect">
-            <a:avLst/>
-          </a:prstGeom>
-          <a:ln w="12700">
-            <a:miter lim="400000"/>
-          </a:ln>
-          <a:extLst>
-            <a:ext uri="{C572A759-6A51-4108-AA02-DFA0A04FC94B}">
-              <ma14:wrappingTextBoxFlag xmlns:ma14="http://schemas.microsoft.com/office/mac/drawingml/2011/main" val="1"/>
-            </a:ext>
-          </a:extLst>
-        </p:spPr>
-        <p:txBody>
-          <a:bodyPr lIns="50800" tIns="50800" rIns="50800" bIns="50800">
-            <a:normAutofit fontScale="100000" lnSpcReduction="0"/>
-          </a:bodyPr>
-          <a:lstStyle>
-            <a:lvl1pPr algn="l">
-              <a:lnSpc>
-                <a:spcPct val="90000"/>
-              </a:lnSpc>
-              <a:spcBef>
-                <a:spcPts val="4500"/>
-              </a:spcBef>
-              <a:defRPr sz="4800">
-                <a:solidFill>
-                  <a:srgbClr val="000000"/>
-                </a:solidFill>
-              </a:defRPr>
-            </a:lvl1pPr>
-          </a:lstStyle>
-          <a:p>
-            <a:pPr/>
-            <a:r>
-              <a:t>SNSリンク</a:t>
-            </a:r>
-          </a:p>
-        </p:txBody>
-      </p:sp>
-      <p:sp>
-        <p:nvSpPr>
-          <p:cNvPr id="174" name="会員限定ECサイト"/>
-          <p:cNvSpPr txBox="1"/>
-          <p:nvPr/>
-        </p:nvSpPr>
-        <p:spPr>
-          <a:xfrm>
-            <a:off x="11481580" y="2824246"/>
-            <a:ext cx="5294247" cy="1320385"/>
-          </a:xfrm>
-          <a:prstGeom prst="rect">
-            <a:avLst/>
-          </a:prstGeom>
-          <a:ln w="12700">
-            <a:miter lim="400000"/>
-          </a:ln>
-          <a:extLst>
-            <a:ext uri="{C572A759-6A51-4108-AA02-DFA0A04FC94B}">
-              <ma14:wrappingTextBoxFlag xmlns:ma14="http://schemas.microsoft.com/office/mac/drawingml/2011/main" val="1"/>
-            </a:ext>
-          </a:extLst>
-        </p:spPr>
-        <p:txBody>
-          <a:bodyPr lIns="50800" tIns="50800" rIns="50800" bIns="50800">
-            <a:normAutofit fontScale="100000" lnSpcReduction="0"/>
-          </a:bodyPr>
-          <a:lstStyle>
-            <a:lvl1pPr algn="l">
-              <a:lnSpc>
-                <a:spcPct val="90000"/>
-              </a:lnSpc>
-              <a:spcBef>
-                <a:spcPts val="4500"/>
-              </a:spcBef>
-              <a:defRPr sz="4800">
-                <a:solidFill>
-                  <a:srgbClr val="000000"/>
-                </a:solidFill>
-              </a:defRPr>
-            </a:lvl1pPr>
-          </a:lstStyle>
-          <a:p>
-            <a:pPr/>
-            <a:r>
-              <a:t>会員限定ECサイト</a:t>
-            </a:r>
-          </a:p>
-        </p:txBody>
-      </p:sp>
-      <p:sp>
-        <p:nvSpPr>
-          <p:cNvPr id="175" name="新着グッズ"/>
-          <p:cNvSpPr txBox="1"/>
-          <p:nvPr/>
-        </p:nvSpPr>
-        <p:spPr>
-          <a:xfrm>
-            <a:off x="19882479" y="8476886"/>
-            <a:ext cx="2924771" cy="1017768"/>
+            <a:off x="13492190" y="8464960"/>
+            <a:ext cx="2924771" cy="1017767"/>
           </a:xfrm>
           <a:prstGeom prst="rect">
             <a:avLst/>
@@ -4959,13 +5107,13 @@
       </p:sp>
       <p:sp>
         <p:nvSpPr>
-          <p:cNvPr id="176" name="グッズ人気ランキング"/>
+          <p:cNvPr id="181" name="グッズ人気ランキング"/>
           <p:cNvSpPr txBox="1"/>
           <p:nvPr/>
         </p:nvSpPr>
         <p:spPr>
           <a:xfrm>
-            <a:off x="6454213" y="8481635"/>
+            <a:off x="1035963" y="8025186"/>
             <a:ext cx="7697987" cy="2192960"/>
           </a:xfrm>
           <a:prstGeom prst="rect">
@@ -5009,14 +5157,14 @@
       </p:sp>
       <p:sp>
         <p:nvSpPr>
-          <p:cNvPr id="177" name="お問い合わせ"/>
+          <p:cNvPr id="182" name="お問い合わせ"/>
           <p:cNvSpPr txBox="1"/>
           <p:nvPr/>
         </p:nvSpPr>
         <p:spPr>
           <a:xfrm>
-            <a:off x="14074213" y="8481635"/>
-            <a:ext cx="4126508" cy="922497"/>
+            <a:off x="12680842" y="2774679"/>
+            <a:ext cx="4126507" cy="922497"/>
           </a:xfrm>
           <a:prstGeom prst="rect">
             <a:avLst/>
@@ -5059,14 +5207,14 @@
       </p:sp>
       <p:pic>
         <p:nvPicPr>
-          <p:cNvPr id="178" name="スクリーンショット 0005-08-01 23.51.53.png" descr="スクリーンショット 0005-08-01 23.51.53.png"/>
+          <p:cNvPr id="183" name="スクリーンショット 0005-08-01 23.43.12.png" descr="スクリーンショット 0005-08-01 23.43.12.png"/>
           <p:cNvPicPr>
             <a:picLocks noChangeAspect="1"/>
           </p:cNvPicPr>
           <p:nvPr/>
         </p:nvPicPr>
         <p:blipFill>
-          <a:blip r:embed="rId8">
+          <a:blip r:embed="rId5">
             <a:extLst/>
           </a:blip>
           <a:stretch>
@@ -5075,8 +5223,8 @@
         </p:blipFill>
         <p:spPr>
           <a:xfrm>
-            <a:off x="14064424" y="3960863"/>
-            <a:ext cx="3797301" cy="4140201"/>
+            <a:off x="1387980" y="3159678"/>
+            <a:ext cx="3848101" cy="4216401"/>
           </a:xfrm>
           <a:prstGeom prst="rect">
             <a:avLst/>
@@ -5086,45 +5234,16 @@
           </a:ln>
         </p:spPr>
       </p:pic>
-      <p:pic>
-        <p:nvPicPr>
-          <p:cNvPr id="179" name="スクリーンショット 0005-08-01 23.43.12.png" descr="スクリーンショット 0005-08-01 23.43.12.png"/>
-          <p:cNvPicPr>
-            <a:picLocks noChangeAspect="1"/>
-          </p:cNvPicPr>
-          <p:nvPr/>
-        </p:nvPicPr>
-        <p:blipFill>
-          <a:blip r:embed="rId9">
-            <a:extLst/>
-          </a:blip>
-          <a:stretch>
-            <a:fillRect/>
-          </a:stretch>
-        </p:blipFill>
-        <p:spPr>
-          <a:xfrm>
-            <a:off x="1243839" y="9141566"/>
-            <a:ext cx="3848101" cy="4216401"/>
-          </a:xfrm>
-          <a:prstGeom prst="rect">
-            <a:avLst/>
-          </a:prstGeom>
-          <a:ln w="12700">
-            <a:miter lim="400000"/>
-          </a:ln>
-        </p:spPr>
-      </p:pic>
-      <p:sp>
-        <p:nvSpPr>
-          <p:cNvPr id="180" name="情報詳細ページ"/>
+      <p:sp>
+        <p:nvSpPr>
+          <p:cNvPr id="184" name="情報詳細ページ"/>
           <p:cNvSpPr txBox="1"/>
           <p:nvPr/>
         </p:nvSpPr>
         <p:spPr>
           <a:xfrm>
-            <a:off x="747680" y="8481635"/>
-            <a:ext cx="7697987" cy="2192960"/>
+            <a:off x="1035963" y="2451699"/>
+            <a:ext cx="7697987" cy="2192961"/>
           </a:xfrm>
           <a:prstGeom prst="rect">
             <a:avLst/>
@@ -5165,45 +5284,16 @@
           </a:p>
         </p:txBody>
       </p:sp>
-      <p:pic>
-        <p:nvPicPr>
-          <p:cNvPr id="181" name="スクリーンショット 0005-08-02 19.12.49.png" descr="スクリーンショット 0005-08-02 19.12.49.png"/>
-          <p:cNvPicPr>
-            <a:picLocks noChangeAspect="1"/>
-          </p:cNvPicPr>
-          <p:nvPr/>
-        </p:nvPicPr>
-        <p:blipFill>
-          <a:blip r:embed="rId10">
-            <a:extLst/>
-          </a:blip>
-          <a:stretch>
-            <a:fillRect/>
-          </a:stretch>
-        </p:blipFill>
-        <p:spPr>
-          <a:xfrm>
-            <a:off x="18571883" y="4004475"/>
-            <a:ext cx="5155155" cy="4038601"/>
-          </a:xfrm>
-          <a:prstGeom prst="rect">
-            <a:avLst/>
-          </a:prstGeom>
-          <a:ln w="12700">
-            <a:miter lim="400000"/>
-          </a:ln>
-        </p:spPr>
-      </p:pic>
-      <p:sp>
-        <p:nvSpPr>
-          <p:cNvPr id="182" name="店舗情報"/>
+      <p:sp>
+        <p:nvSpPr>
+          <p:cNvPr id="185" name="管理者登録ページで登録することで詳細を表示できる"/>
           <p:cNvSpPr txBox="1"/>
           <p:nvPr/>
         </p:nvSpPr>
         <p:spPr>
           <a:xfrm>
-            <a:off x="19415235" y="2824246"/>
-            <a:ext cx="5294247" cy="1320385"/>
+            <a:off x="5553591" y="3363900"/>
+            <a:ext cx="6342092" cy="1320385"/>
           </a:xfrm>
           <a:prstGeom prst="rect">
             <a:avLst/>
@@ -5229,7 +5319,7 @@
               <a:spcBef>
                 <a:spcPts val="4500"/>
               </a:spcBef>
-              <a:defRPr sz="4800">
+              <a:defRPr sz="3800">
                 <a:solidFill>
                   <a:srgbClr val="000000"/>
                 </a:solidFill>
@@ -5239,21 +5329,21 @@
           <a:p>
             <a:pPr/>
             <a:r>
-              <a:t>店舗情報</a:t>
-            </a:r>
-          </a:p>
-        </p:txBody>
-      </p:sp>
-      <p:sp>
-        <p:nvSpPr>
-          <p:cNvPr id="183" name="要望であるECサイトを実装し、店舗情報SNSのリンクをTOPページから画面遷移なくても見れるように配置し、遷移ページではより詳細な情報を閲覧できるよう作成する"/>
+              <a:t>管理者登録ページで登録することで詳細を表示できる</a:t>
+            </a:r>
+          </a:p>
+        </p:txBody>
+      </p:sp>
+      <p:sp>
+        <p:nvSpPr>
+          <p:cNvPr id="186" name="ユーザーの声が届く機能なので実装したい"/>
           <p:cNvSpPr txBox="1"/>
           <p:nvPr/>
         </p:nvSpPr>
         <p:spPr>
           <a:xfrm>
-            <a:off x="6538561" y="720964"/>
-            <a:ext cx="17271631" cy="1749432"/>
+            <a:off x="16940800" y="3363900"/>
+            <a:ext cx="6342091" cy="1320385"/>
           </a:xfrm>
           <a:prstGeom prst="rect">
             <a:avLst/>
@@ -5272,14 +5362,14 @@
             <a:normAutofit fontScale="100000" lnSpcReduction="0"/>
           </a:bodyPr>
           <a:lstStyle>
-            <a:lvl1pPr algn="l" defTabSz="2292038">
+            <a:lvl1pPr algn="l">
               <a:lnSpc>
                 <a:spcPct val="90000"/>
               </a:lnSpc>
               <a:spcBef>
-                <a:spcPts val="4200"/>
+                <a:spcPts val="4500"/>
               </a:spcBef>
-              <a:defRPr sz="3478">
+              <a:defRPr sz="3800">
                 <a:solidFill>
                   <a:srgbClr val="000000"/>
                 </a:solidFill>
@@ -5289,8 +5379,182 @@
           <a:p>
             <a:pPr/>
             <a:r>
-              <a:t>要望であるECサイトを実装し、店舗情報SNSのリンクをTOPページから画面遷移なくても見れるように配置し、遷移ページではより詳細な情報を閲覧できるよう作成する</a:t>
-            </a:r>
+              <a:t>ユーザーの声が届く機能なので実装したい</a:t>
+            </a:r>
+          </a:p>
+        </p:txBody>
+      </p:sp>
+      <p:sp>
+        <p:nvSpPr>
+          <p:cNvPr id="187" name="ユーザーが購入を決める手段にもなる売れ筋商品の表示"/>
+          <p:cNvSpPr txBox="1"/>
+          <p:nvPr/>
+        </p:nvSpPr>
+        <p:spPr>
+          <a:xfrm>
+            <a:off x="6154183" y="9417858"/>
+            <a:ext cx="6342091" cy="1320385"/>
+          </a:xfrm>
+          <a:prstGeom prst="rect">
+            <a:avLst/>
+          </a:prstGeom>
+          <a:ln w="12700">
+            <a:miter lim="400000"/>
+          </a:ln>
+          <a:extLst>
+            <a:ext uri="{C572A759-6A51-4108-AA02-DFA0A04FC94B}">
+              <ma14:wrappingTextBoxFlag xmlns:ma14="http://schemas.microsoft.com/office/mac/drawingml/2011/main" val="1"/>
+            </a:ext>
+          </a:extLst>
+        </p:spPr>
+        <p:txBody>
+          <a:bodyPr lIns="50800" tIns="50800" rIns="50800" bIns="50800">
+            <a:normAutofit fontScale="100000" lnSpcReduction="0"/>
+          </a:bodyPr>
+          <a:lstStyle>
+            <a:lvl1pPr algn="l" defTabSz="2413955">
+              <a:lnSpc>
+                <a:spcPct val="90000"/>
+              </a:lnSpc>
+              <a:spcBef>
+                <a:spcPts val="4400"/>
+              </a:spcBef>
+              <a:defRPr sz="3762">
+                <a:solidFill>
+                  <a:srgbClr val="000000"/>
+                </a:solidFill>
+              </a:defRPr>
+            </a:lvl1pPr>
+          </a:lstStyle>
+          <a:p>
+            <a:pPr/>
+            <a:r>
+              <a:t>ユーザーが購入を決める手段にもなる売れ筋商品の表示</a:t>
+            </a:r>
+          </a:p>
+        </p:txBody>
+      </p:sp>
+      <p:sp>
+        <p:nvSpPr>
+          <p:cNvPr id="188" name="商品登録を行うことでTOPページに変化ができるので新商品枠を実装"/>
+          <p:cNvSpPr txBox="1"/>
+          <p:nvPr/>
+        </p:nvSpPr>
+        <p:spPr>
+          <a:xfrm>
+            <a:off x="16940800" y="9129575"/>
+            <a:ext cx="6342091" cy="2891306"/>
+          </a:xfrm>
+          <a:prstGeom prst="rect">
+            <a:avLst/>
+          </a:prstGeom>
+          <a:ln w="12700">
+            <a:miter lim="400000"/>
+          </a:ln>
+          <a:extLst>
+            <a:ext uri="{C572A759-6A51-4108-AA02-DFA0A04FC94B}">
+              <ma14:wrappingTextBoxFlag xmlns:ma14="http://schemas.microsoft.com/office/mac/drawingml/2011/main" val="1"/>
+            </a:ext>
+          </a:extLst>
+        </p:spPr>
+        <p:txBody>
+          <a:bodyPr lIns="50800" tIns="50800" rIns="50800" bIns="50800">
+            <a:normAutofit fontScale="100000" lnSpcReduction="0"/>
+          </a:bodyPr>
+          <a:lstStyle>
+            <a:lvl1pPr algn="l">
+              <a:lnSpc>
+                <a:spcPct val="90000"/>
+              </a:lnSpc>
+              <a:spcBef>
+                <a:spcPts val="4500"/>
+              </a:spcBef>
+              <a:defRPr sz="3800">
+                <a:solidFill>
+                  <a:srgbClr val="000000"/>
+                </a:solidFill>
+              </a:defRPr>
+            </a:lvl1pPr>
+          </a:lstStyle>
+          <a:p>
+            <a:pPr/>
+            <a:r>
+              <a:t>商品登録を行うことでTOPページに変化ができるので新商品枠を実装</a:t>
+            </a:r>
+          </a:p>
+        </p:txBody>
+      </p:sp>
+      <p:sp>
+        <p:nvSpPr>
+          <p:cNvPr id="189" name="四角形"/>
+          <p:cNvSpPr/>
+          <p:nvPr/>
+        </p:nvSpPr>
+        <p:spPr>
+          <a:xfrm>
+            <a:off x="12680842" y="8269216"/>
+            <a:ext cx="11840592" cy="5136682"/>
+          </a:xfrm>
+          <a:prstGeom prst="rect">
+            <a:avLst/>
+          </a:prstGeom>
+          <a:solidFill>
+            <a:srgbClr val="000000">
+              <a:alpha val="32432"/>
+            </a:srgbClr>
+          </a:solidFill>
+          <a:ln w="12700">
+            <a:miter lim="400000"/>
+          </a:ln>
+        </p:spPr>
+        <p:txBody>
+          <a:bodyPr lIns="50800" tIns="50800" rIns="50800" bIns="50800" anchor="ctr"/>
+          <a:lstStyle/>
+          <a:p>
+            <a:pPr defTabSz="825500">
+              <a:defRPr sz="3200">
+                <a:solidFill>
+                  <a:srgbClr val="FFFFFF"/>
+                </a:solidFill>
+              </a:defRPr>
+            </a:pPr>
+          </a:p>
+        </p:txBody>
+      </p:sp>
+      <p:sp>
+        <p:nvSpPr>
+          <p:cNvPr id="190" name="四角形"/>
+          <p:cNvSpPr/>
+          <p:nvPr/>
+        </p:nvSpPr>
+        <p:spPr>
+          <a:xfrm>
+            <a:off x="644995" y="2344291"/>
+            <a:ext cx="11840593" cy="11061607"/>
+          </a:xfrm>
+          <a:prstGeom prst="rect">
+            <a:avLst/>
+          </a:prstGeom>
+          <a:solidFill>
+            <a:srgbClr val="000000">
+              <a:alpha val="32432"/>
+            </a:srgbClr>
+          </a:solidFill>
+          <a:ln w="12700">
+            <a:miter lim="400000"/>
+          </a:ln>
+        </p:spPr>
+        <p:txBody>
+          <a:bodyPr lIns="50800" tIns="50800" rIns="50800" bIns="50800" anchor="ctr"/>
+          <a:lstStyle/>
+          <a:p>
+            <a:pPr defTabSz="825500">
+              <a:defRPr sz="3200">
+                <a:solidFill>
+                  <a:srgbClr val="FFFFFF"/>
+                </a:solidFill>
+              </a:defRPr>
+            </a:pPr>
           </a:p>
         </p:txBody>
       </p:sp>
@@ -5322,13 +5586,17 @@
       </p:grpSpPr>
       <p:sp>
         <p:nvSpPr>
-          <p:cNvPr id="185" name="機能（管理者）"/>
+          <p:cNvPr id="192" name="機能（管理者1）"/>
           <p:cNvSpPr txBox="1"/>
           <p:nvPr>
             <p:ph type="title"/>
           </p:nvPr>
         </p:nvSpPr>
         <p:spPr>
+          <a:xfrm>
+            <a:off x="726027" y="467552"/>
+            <a:ext cx="8356819" cy="1433164"/>
+          </a:xfrm>
           <a:prstGeom prst="rect">
             <a:avLst/>
           </a:prstGeom>
@@ -5339,64 +5607,14 @@
           <a:p>
             <a:pPr/>
             <a:r>
-              <a:t>機能（管理者）</a:t>
-            </a:r>
-          </a:p>
-        </p:txBody>
-      </p:sp>
-      <p:sp>
-        <p:nvSpPr>
-          <p:cNvPr id="186" name="管理者用アカウントでログインすることで商品を登録したり編集し在庫を修正する事ができる。"/>
-          <p:cNvSpPr txBox="1"/>
-          <p:nvPr/>
-        </p:nvSpPr>
-        <p:spPr>
-          <a:xfrm>
-            <a:off x="19395701" y="2493965"/>
-            <a:ext cx="4792774" cy="9298631"/>
-          </a:xfrm>
-          <a:prstGeom prst="rect">
-            <a:avLst/>
-          </a:prstGeom>
-          <a:ln w="12700">
-            <a:miter lim="400000"/>
-          </a:ln>
-          <a:extLst>
-            <a:ext uri="{C572A759-6A51-4108-AA02-DFA0A04FC94B}">
-              <ma14:wrappingTextBoxFlag xmlns:ma14="http://schemas.microsoft.com/office/mac/drawingml/2011/main" val="1"/>
-            </a:ext>
-          </a:extLst>
-        </p:spPr>
-        <p:txBody>
-          <a:bodyPr lIns="50800" tIns="50800" rIns="50800" bIns="50800">
-            <a:normAutofit fontScale="100000" lnSpcReduction="0"/>
-          </a:bodyPr>
-          <a:lstStyle>
-            <a:lvl1pPr algn="l">
-              <a:lnSpc>
-                <a:spcPct val="90000"/>
-              </a:lnSpc>
-              <a:spcBef>
-                <a:spcPts val="4500"/>
-              </a:spcBef>
-              <a:defRPr sz="4200">
-                <a:solidFill>
-                  <a:srgbClr val="000000"/>
-                </a:solidFill>
-              </a:defRPr>
-            </a:lvl1pPr>
-          </a:lstStyle>
-          <a:p>
-            <a:pPr/>
-            <a:r>
-              <a:t>管理者用アカウントでログインすることで商品を登録したり編集し在庫を修正する事ができる。</a:t>
+              <a:t>機能（管理者1）</a:t>
             </a:r>
           </a:p>
         </p:txBody>
       </p:sp>
       <p:pic>
         <p:nvPicPr>
-          <p:cNvPr id="187" name="スクリーンショット 0005-08-02 19.29.40.png" descr="スクリーンショット 0005-08-02 19.29.40.png"/>
+          <p:cNvPr id="193" name="スクリーンショット 0005-08-02 21.54.16.png" descr="スクリーンショット 0005-08-02 21.54.16.png"/>
           <p:cNvPicPr>
             <a:picLocks noChangeAspect="1"/>
           </p:cNvPicPr>
@@ -5412,8 +5630,8 @@
         </p:blipFill>
         <p:spPr>
           <a:xfrm>
-            <a:off x="268326" y="2541032"/>
-            <a:ext cx="18748531" cy="10997875"/>
+            <a:off x="3451209" y="6558767"/>
+            <a:ext cx="16751301" cy="6794501"/>
           </a:xfrm>
           <a:prstGeom prst="rect">
             <a:avLst/>
@@ -5423,6 +5641,681 @@
           </a:ln>
         </p:spPr>
       </p:pic>
+      <p:sp>
+        <p:nvSpPr>
+          <p:cNvPr id="194" name="顧客リスト一度登録した商品の在庫数や廃止などにより商品を消したり非表示にしたり登録した内容を編集できる"/>
+          <p:cNvSpPr txBox="1"/>
+          <p:nvPr/>
+        </p:nvSpPr>
+        <p:spPr>
+          <a:xfrm>
+            <a:off x="8021913" y="11070969"/>
+            <a:ext cx="13956386" cy="1750327"/>
+          </a:xfrm>
+          <a:prstGeom prst="rect">
+            <a:avLst/>
+          </a:prstGeom>
+          <a:ln w="12700">
+            <a:miter lim="400000"/>
+          </a:ln>
+          <a:extLst>
+            <a:ext uri="{C572A759-6A51-4108-AA02-DFA0A04FC94B}">
+              <ma14:wrappingTextBoxFlag xmlns:ma14="http://schemas.microsoft.com/office/mac/drawingml/2011/main" val="1"/>
+            </a:ext>
+          </a:extLst>
+        </p:spPr>
+        <p:txBody>
+          <a:bodyPr lIns="50800" tIns="50800" rIns="50800" bIns="50800">
+            <a:normAutofit fontScale="100000" lnSpcReduction="0"/>
+          </a:bodyPr>
+          <a:lstStyle/>
+          <a:p>
+            <a:pPr algn="l">
+              <a:lnSpc>
+                <a:spcPct val="90000"/>
+              </a:lnSpc>
+              <a:spcBef>
+                <a:spcPts val="4500"/>
+              </a:spcBef>
+              <a:defRPr sz="4200">
+                <a:solidFill>
+                  <a:srgbClr val="000000"/>
+                </a:solidFill>
+              </a:defRPr>
+            </a:pPr>
+            <a:r>
+              <a:rPr>
+                <a:latin typeface="+mn-lt"/>
+                <a:ea typeface="+mn-ea"/>
+                <a:cs typeface="+mn-cs"/>
+                <a:sym typeface="ヒラギノ角ゴ ProN W6"/>
+              </a:rPr>
+              <a:t>顧客リスト</a:t>
+            </a:r>
+            <a:r>
+              <a:t>一度登録した商品の在庫数や廃止などにより商品を消したり非表示にしたり登録した内容を編集できる</a:t>
+            </a:r>
+          </a:p>
+        </p:txBody>
+      </p:sp>
+      <p:sp>
+        <p:nvSpPr>
+          <p:cNvPr id="195" name="四角形"/>
+          <p:cNvSpPr/>
+          <p:nvPr/>
+        </p:nvSpPr>
+        <p:spPr>
+          <a:xfrm>
+            <a:off x="3230178" y="6559377"/>
+            <a:ext cx="20941427" cy="7008932"/>
+          </a:xfrm>
+          <a:prstGeom prst="rect">
+            <a:avLst/>
+          </a:prstGeom>
+          <a:ln w="25400">
+            <a:solidFill>
+              <a:srgbClr val="000000"/>
+            </a:solidFill>
+            <a:miter lim="400000"/>
+          </a:ln>
+        </p:spPr>
+        <p:txBody>
+          <a:bodyPr lIns="50800" tIns="50800" rIns="50800" bIns="50800" anchor="ctr"/>
+          <a:lstStyle/>
+          <a:p>
+            <a:pPr defTabSz="825500">
+              <a:defRPr sz="3200">
+                <a:solidFill>
+                  <a:srgbClr val="FFFFFF"/>
+                </a:solidFill>
+              </a:defRPr>
+            </a:pPr>
+          </a:p>
+        </p:txBody>
+      </p:sp>
+      <p:sp>
+        <p:nvSpPr>
+          <p:cNvPr id="196" name="四角形"/>
+          <p:cNvSpPr/>
+          <p:nvPr/>
+        </p:nvSpPr>
+        <p:spPr>
+          <a:xfrm>
+            <a:off x="285123" y="2250605"/>
+            <a:ext cx="23908347" cy="4253250"/>
+          </a:xfrm>
+          <a:prstGeom prst="rect">
+            <a:avLst/>
+          </a:prstGeom>
+          <a:ln w="25400">
+            <a:solidFill>
+              <a:srgbClr val="000000"/>
+            </a:solidFill>
+            <a:miter lim="400000"/>
+          </a:ln>
+        </p:spPr>
+        <p:txBody>
+          <a:bodyPr lIns="50800" tIns="50800" rIns="50800" bIns="50800" anchor="ctr"/>
+          <a:lstStyle/>
+          <a:p>
+            <a:pPr defTabSz="825500">
+              <a:defRPr sz="3200">
+                <a:solidFill>
+                  <a:srgbClr val="FFFFFF"/>
+                </a:solidFill>
+              </a:defRPr>
+            </a:pPr>
+          </a:p>
+        </p:txBody>
+      </p:sp>
+      <p:sp>
+        <p:nvSpPr>
+          <p:cNvPr id="197" name="商品登録商品登録を行うことでECサイトやTOPページの新着グッズ枠に反映される"/>
+          <p:cNvSpPr txBox="1"/>
+          <p:nvPr/>
+        </p:nvSpPr>
+        <p:spPr>
+          <a:xfrm>
+            <a:off x="16380859" y="2640781"/>
+            <a:ext cx="7539445" cy="3472898"/>
+          </a:xfrm>
+          <a:prstGeom prst="rect">
+            <a:avLst/>
+          </a:prstGeom>
+          <a:ln w="12700">
+            <a:miter lim="400000"/>
+          </a:ln>
+          <a:extLst>
+            <a:ext uri="{C572A759-6A51-4108-AA02-DFA0A04FC94B}">
+              <ma14:wrappingTextBoxFlag xmlns:ma14="http://schemas.microsoft.com/office/mac/drawingml/2011/main" val="1"/>
+            </a:ext>
+          </a:extLst>
+        </p:spPr>
+        <p:txBody>
+          <a:bodyPr lIns="50800" tIns="50800" rIns="50800" bIns="50800">
+            <a:normAutofit fontScale="100000" lnSpcReduction="0"/>
+          </a:bodyPr>
+          <a:lstStyle/>
+          <a:p>
+            <a:pPr algn="l">
+              <a:lnSpc>
+                <a:spcPct val="90000"/>
+              </a:lnSpc>
+              <a:spcBef>
+                <a:spcPts val="4500"/>
+              </a:spcBef>
+              <a:defRPr sz="4200">
+                <a:solidFill>
+                  <a:srgbClr val="000000"/>
+                </a:solidFill>
+              </a:defRPr>
+            </a:pPr>
+            <a:r>
+              <a:rPr>
+                <a:latin typeface="+mn-lt"/>
+                <a:ea typeface="+mn-ea"/>
+                <a:cs typeface="+mn-cs"/>
+                <a:sym typeface="ヒラギノ角ゴ ProN W6"/>
+              </a:rPr>
+              <a:t>商品登録</a:t>
+            </a:r>
+            <a:r>
+              <a:t>商品登録を行うことでECサイトやTOPページの新着グッズ枠に反映される</a:t>
+            </a:r>
+          </a:p>
+        </p:txBody>
+      </p:sp>
+      <p:pic>
+        <p:nvPicPr>
+          <p:cNvPr id="198" name="スクリーンショット 0005-08-02 22.05.49.png" descr="スクリーンショット 0005-08-02 22.05.49.png"/>
+          <p:cNvPicPr>
+            <a:picLocks noChangeAspect="1"/>
+          </p:cNvPicPr>
+          <p:nvPr/>
+        </p:nvPicPr>
+        <p:blipFill>
+          <a:blip r:embed="rId3">
+            <a:extLst/>
+          </a:blip>
+          <a:stretch>
+            <a:fillRect/>
+          </a:stretch>
+        </p:blipFill>
+        <p:spPr>
+          <a:xfrm>
+            <a:off x="406556" y="2326180"/>
+            <a:ext cx="15862301" cy="4102101"/>
+          </a:xfrm>
+          <a:prstGeom prst="rect">
+            <a:avLst/>
+          </a:prstGeom>
+          <a:ln w="12700">
+            <a:miter lim="400000"/>
+          </a:ln>
+        </p:spPr>
+      </p:pic>
+      <p:sp>
+        <p:nvSpPr>
+          <p:cNvPr id="199" name="画像の登録は将来的に実装できるようになりたい。"/>
+          <p:cNvSpPr txBox="1"/>
+          <p:nvPr/>
+        </p:nvSpPr>
+        <p:spPr>
+          <a:xfrm>
+            <a:off x="9109864" y="482929"/>
+            <a:ext cx="10392434" cy="1479550"/>
+          </a:xfrm>
+          <a:prstGeom prst="rect">
+            <a:avLst/>
+          </a:prstGeom>
+          <a:ln w="12700">
+            <a:miter lim="400000"/>
+          </a:ln>
+          <a:extLst>
+            <a:ext uri="{C572A759-6A51-4108-AA02-DFA0A04FC94B}">
+              <ma14:wrappingTextBoxFlag xmlns:ma14="http://schemas.microsoft.com/office/mac/drawingml/2011/main" val="1"/>
+            </a:ext>
+          </a:extLst>
+        </p:spPr>
+        <p:txBody>
+          <a:bodyPr lIns="50800" tIns="50800" rIns="50800" bIns="50800">
+            <a:spAutoFit/>
+          </a:bodyPr>
+          <a:lstStyle>
+            <a:lvl1pPr algn="l" defTabSz="457200">
+              <a:defRPr sz="4300">
+                <a:solidFill>
+                  <a:srgbClr val="000000"/>
+                </a:solidFill>
+              </a:defRPr>
+            </a:lvl1pPr>
+          </a:lstStyle>
+          <a:p>
+            <a:pPr/>
+            <a:r>
+              <a:t>画像の登録は将来的に実装できるようになりたい。</a:t>
+            </a:r>
+          </a:p>
+        </p:txBody>
+      </p:sp>
+      <p:sp>
+        <p:nvSpPr>
+          <p:cNvPr id="200" name="四角形"/>
+          <p:cNvSpPr/>
+          <p:nvPr/>
+        </p:nvSpPr>
+        <p:spPr>
+          <a:xfrm>
+            <a:off x="9056195" y="254234"/>
+            <a:ext cx="10499772" cy="1859801"/>
+          </a:xfrm>
+          <a:prstGeom prst="rect">
+            <a:avLst/>
+          </a:prstGeom>
+          <a:solidFill>
+            <a:srgbClr val="000000">
+              <a:alpha val="32432"/>
+            </a:srgbClr>
+          </a:solidFill>
+          <a:ln w="12700">
+            <a:miter lim="400000"/>
+          </a:ln>
+        </p:spPr>
+        <p:txBody>
+          <a:bodyPr lIns="50800" tIns="50800" rIns="50800" bIns="50800" anchor="ctr"/>
+          <a:lstStyle/>
+          <a:p>
+            <a:pPr defTabSz="825500">
+              <a:defRPr sz="3200">
+                <a:solidFill>
+                  <a:srgbClr val="FFFFFF"/>
+                </a:solidFill>
+              </a:defRPr>
+            </a:pPr>
+          </a:p>
+        </p:txBody>
+      </p:sp>
+    </p:spTree>
+  </p:cSld>
+  <p:clrMapOvr>
+    <a:masterClrMapping/>
+  </p:clrMapOvr>
+  <p:transition xmlns:p14="http://schemas.microsoft.com/office/powerpoint/2010/main" spd="med" advClick="1"/>
+</p:sld>
+</file>
+
+<file path=ppt/slides/slide6.xml><?xml version="1.0" encoding="utf-8"?>
+<p:sld xmlns:a="http://schemas.openxmlformats.org/drawingml/2006/main" xmlns:r="http://schemas.openxmlformats.org/officeDocument/2006/relationships" xmlns:p="http://schemas.openxmlformats.org/presentationml/2006/main" xmlns:m="http://schemas.openxmlformats.org/officeDocument/2006/math" xmlns:a14="http://schemas.microsoft.com/office/drawing/2010/main" showMasterSp="1" showMasterPhAnim="1">
+  <p:cSld>
+    <p:spTree>
+      <p:nvGrpSpPr>
+        <p:cNvPr id="1" name=""/>
+        <p:cNvGrpSpPr/>
+        <p:nvPr/>
+      </p:nvGrpSpPr>
+      <p:grpSpPr>
+        <a:xfrm>
+          <a:off x="0" y="0"/>
+          <a:ext cx="0" cy="0"/>
+          <a:chOff x="0" y="0"/>
+          <a:chExt cx="0" cy="0"/>
+        </a:xfrm>
+      </p:grpSpPr>
+      <p:sp>
+        <p:nvSpPr>
+          <p:cNvPr id="202" name="機能（管理者2）"/>
+          <p:cNvSpPr txBox="1"/>
+          <p:nvPr>
+            <p:ph type="title"/>
+          </p:nvPr>
+        </p:nvSpPr>
+        <p:spPr>
+          <a:xfrm>
+            <a:off x="677979" y="545222"/>
+            <a:ext cx="8255752" cy="1433164"/>
+          </a:xfrm>
+          <a:prstGeom prst="rect">
+            <a:avLst/>
+          </a:prstGeom>
+        </p:spPr>
+        <p:txBody>
+          <a:bodyPr/>
+          <a:lstStyle>
+            <a:lvl1pPr defTabSz="2413955">
+              <a:defRPr spc="-168" sz="8415"/>
+            </a:lvl1pPr>
+          </a:lstStyle>
+          <a:p>
+            <a:pPr/>
+            <a:r>
+              <a:t>機能（管理者2）</a:t>
+            </a:r>
+          </a:p>
+        </p:txBody>
+      </p:sp>
+      <p:pic>
+        <p:nvPicPr>
+          <p:cNvPr id="203" name="スクリーンショット 0005-08-02 21.53.35.png" descr="スクリーンショット 0005-08-02 21.53.35.png"/>
+          <p:cNvPicPr>
+            <a:picLocks noChangeAspect="1"/>
+          </p:cNvPicPr>
+          <p:nvPr/>
+        </p:nvPicPr>
+        <p:blipFill>
+          <a:blip r:embed="rId2">
+            <a:extLst/>
+          </a:blip>
+          <a:stretch>
+            <a:fillRect/>
+          </a:stretch>
+        </p:blipFill>
+        <p:spPr>
+          <a:xfrm>
+            <a:off x="2124460" y="6779454"/>
+            <a:ext cx="15043375" cy="6292507"/>
+          </a:xfrm>
+          <a:prstGeom prst="rect">
+            <a:avLst/>
+          </a:prstGeom>
+          <a:ln w="12700">
+            <a:miter lim="400000"/>
+          </a:ln>
+        </p:spPr>
+      </p:pic>
+      <p:sp>
+        <p:nvSpPr>
+          <p:cNvPr id="204" name="顧客リスト悪質な顧客の強制退会ができるように削除機能を実装し管理者の中でも一部の使用者のみ使えるよう特別管理者アカウントのみ使用できる"/>
+          <p:cNvSpPr txBox="1"/>
+          <p:nvPr/>
+        </p:nvSpPr>
+        <p:spPr>
+          <a:xfrm>
+            <a:off x="10135994" y="10734638"/>
+            <a:ext cx="13956386" cy="3196063"/>
+          </a:xfrm>
+          <a:prstGeom prst="rect">
+            <a:avLst/>
+          </a:prstGeom>
+          <a:ln w="12700">
+            <a:miter lim="400000"/>
+          </a:ln>
+          <a:extLst>
+            <a:ext uri="{C572A759-6A51-4108-AA02-DFA0A04FC94B}">
+              <ma14:wrappingTextBoxFlag xmlns:ma14="http://schemas.microsoft.com/office/mac/drawingml/2011/main" val="1"/>
+            </a:ext>
+          </a:extLst>
+        </p:spPr>
+        <p:txBody>
+          <a:bodyPr lIns="50800" tIns="50800" rIns="50800" bIns="50800">
+            <a:normAutofit fontScale="100000" lnSpcReduction="0"/>
+          </a:bodyPr>
+          <a:lstStyle/>
+          <a:p>
+            <a:pPr algn="l">
+              <a:lnSpc>
+                <a:spcPct val="90000"/>
+              </a:lnSpc>
+              <a:spcBef>
+                <a:spcPts val="4500"/>
+              </a:spcBef>
+              <a:defRPr sz="4200">
+                <a:solidFill>
+                  <a:srgbClr val="000000"/>
+                </a:solidFill>
+              </a:defRPr>
+            </a:pPr>
+            <a:r>
+              <a:rPr>
+                <a:latin typeface="+mn-lt"/>
+                <a:ea typeface="+mn-ea"/>
+                <a:cs typeface="+mn-cs"/>
+                <a:sym typeface="ヒラギノ角ゴ ProN W6"/>
+              </a:rPr>
+              <a:t>顧客リスト</a:t>
+            </a:r>
+            <a:r>
+              <a:t>悪質な顧客の強制退会ができるように削除機能を実装し管理者の中でも一部の使用者のみ使えるよう特別管理者アカウントのみ使用できる</a:t>
+            </a:r>
+          </a:p>
+        </p:txBody>
+      </p:sp>
+      <p:sp>
+        <p:nvSpPr>
+          <p:cNvPr id="205" name="スライドショー編集スライドショーに掲載する画像を登録できる。流れは情報登録と同じで管理者が使用しやすいように分けて記載"/>
+          <p:cNvSpPr txBox="1"/>
+          <p:nvPr/>
+        </p:nvSpPr>
+        <p:spPr>
+          <a:xfrm>
+            <a:off x="16586342" y="2856666"/>
+            <a:ext cx="7081589" cy="3196063"/>
+          </a:xfrm>
+          <a:prstGeom prst="rect">
+            <a:avLst/>
+          </a:prstGeom>
+          <a:ln w="12700">
+            <a:miter lim="400000"/>
+          </a:ln>
+          <a:extLst>
+            <a:ext uri="{C572A759-6A51-4108-AA02-DFA0A04FC94B}">
+              <ma14:wrappingTextBoxFlag xmlns:ma14="http://schemas.microsoft.com/office/mac/drawingml/2011/main" val="1"/>
+            </a:ext>
+          </a:extLst>
+        </p:spPr>
+        <p:txBody>
+          <a:bodyPr lIns="50800" tIns="50800" rIns="50800" bIns="50800">
+            <a:normAutofit fontScale="100000" lnSpcReduction="0"/>
+          </a:bodyPr>
+          <a:lstStyle/>
+          <a:p>
+            <a:pPr algn="l" defTabSz="2145738">
+              <a:lnSpc>
+                <a:spcPct val="90000"/>
+              </a:lnSpc>
+              <a:spcBef>
+                <a:spcPts val="3900"/>
+              </a:spcBef>
+              <a:defRPr sz="3696">
+                <a:solidFill>
+                  <a:srgbClr val="000000"/>
+                </a:solidFill>
+              </a:defRPr>
+            </a:pPr>
+            <a:r>
+              <a:rPr>
+                <a:latin typeface="+mn-lt"/>
+                <a:ea typeface="+mn-ea"/>
+                <a:cs typeface="+mn-cs"/>
+                <a:sym typeface="ヒラギノ角ゴ ProN W6"/>
+              </a:rPr>
+              <a:t>スライドショー編集</a:t>
+            </a:r>
+            <a:r>
+              <a:t>スライドショーに掲載する画像を登録できる。流れは情報登録と同じで管理者が使用しやすいように分けて記載</a:t>
+            </a:r>
+          </a:p>
+        </p:txBody>
+      </p:sp>
+      <p:sp>
+        <p:nvSpPr>
+          <p:cNvPr id="206" name="四角形"/>
+          <p:cNvSpPr/>
+          <p:nvPr/>
+        </p:nvSpPr>
+        <p:spPr>
+          <a:xfrm>
+            <a:off x="1841218" y="6808060"/>
+            <a:ext cx="22330387" cy="6760249"/>
+          </a:xfrm>
+          <a:prstGeom prst="rect">
+            <a:avLst/>
+          </a:prstGeom>
+          <a:ln w="25400">
+            <a:solidFill>
+              <a:srgbClr val="000000"/>
+            </a:solidFill>
+            <a:miter lim="400000"/>
+          </a:ln>
+        </p:spPr>
+        <p:txBody>
+          <a:bodyPr lIns="50800" tIns="50800" rIns="50800" bIns="50800" anchor="ctr"/>
+          <a:lstStyle/>
+          <a:p>
+            <a:pPr defTabSz="825500">
+              <a:defRPr sz="3200">
+                <a:solidFill>
+                  <a:srgbClr val="FFFFFF"/>
+                </a:solidFill>
+              </a:defRPr>
+            </a:pPr>
+          </a:p>
+        </p:txBody>
+      </p:sp>
+      <p:sp>
+        <p:nvSpPr>
+          <p:cNvPr id="207" name="四角形"/>
+          <p:cNvSpPr/>
+          <p:nvPr/>
+        </p:nvSpPr>
+        <p:spPr>
+          <a:xfrm>
+            <a:off x="375400" y="2174499"/>
+            <a:ext cx="23363779" cy="4408841"/>
+          </a:xfrm>
+          <a:prstGeom prst="rect">
+            <a:avLst/>
+          </a:prstGeom>
+          <a:ln w="25400">
+            <a:solidFill>
+              <a:srgbClr val="000000"/>
+            </a:solidFill>
+            <a:miter lim="400000"/>
+          </a:ln>
+        </p:spPr>
+        <p:txBody>
+          <a:bodyPr lIns="50800" tIns="50800" rIns="50800" bIns="50800" anchor="ctr"/>
+          <a:lstStyle/>
+          <a:p>
+            <a:pPr defTabSz="825500">
+              <a:defRPr sz="3200">
+                <a:solidFill>
+                  <a:srgbClr val="FFFFFF"/>
+                </a:solidFill>
+              </a:defRPr>
+            </a:pPr>
+          </a:p>
+        </p:txBody>
+      </p:sp>
+      <p:pic>
+        <p:nvPicPr>
+          <p:cNvPr id="208" name="スクリーンショット 0005-08-02 22.06.17.png" descr="スクリーンショット 0005-08-02 22.06.17.png"/>
+          <p:cNvPicPr>
+            <a:picLocks noChangeAspect="1"/>
+          </p:cNvPicPr>
+          <p:nvPr/>
+        </p:nvPicPr>
+        <p:blipFill>
+          <a:blip r:embed="rId3">
+            <a:extLst/>
+          </a:blip>
+          <a:stretch>
+            <a:fillRect/>
+          </a:stretch>
+        </p:blipFill>
+        <p:spPr>
+          <a:xfrm>
+            <a:off x="568809" y="2340569"/>
+            <a:ext cx="15862301" cy="4076701"/>
+          </a:xfrm>
+          <a:prstGeom prst="rect">
+            <a:avLst/>
+          </a:prstGeom>
+          <a:ln w="12700">
+            <a:miter lim="400000"/>
+          </a:ln>
+        </p:spPr>
+      </p:pic>
+      <p:sp>
+        <p:nvSpPr>
+          <p:cNvPr id="209" name="画像の登録は将来的に実装できるようになりたい。"/>
+          <p:cNvSpPr txBox="1"/>
+          <p:nvPr/>
+        </p:nvSpPr>
+        <p:spPr>
+          <a:xfrm>
+            <a:off x="9109864" y="482929"/>
+            <a:ext cx="10392434" cy="1479550"/>
+          </a:xfrm>
+          <a:prstGeom prst="rect">
+            <a:avLst/>
+          </a:prstGeom>
+          <a:ln w="12700">
+            <a:miter lim="400000"/>
+          </a:ln>
+          <a:extLst>
+            <a:ext uri="{C572A759-6A51-4108-AA02-DFA0A04FC94B}">
+              <ma14:wrappingTextBoxFlag xmlns:ma14="http://schemas.microsoft.com/office/mac/drawingml/2011/main" val="1"/>
+            </a:ext>
+          </a:extLst>
+        </p:spPr>
+        <p:txBody>
+          <a:bodyPr lIns="50800" tIns="50800" rIns="50800" bIns="50800">
+            <a:spAutoFit/>
+          </a:bodyPr>
+          <a:lstStyle>
+            <a:lvl1pPr algn="l" defTabSz="457200">
+              <a:defRPr sz="4300">
+                <a:solidFill>
+                  <a:srgbClr val="000000"/>
+                </a:solidFill>
+              </a:defRPr>
+            </a:lvl1pPr>
+          </a:lstStyle>
+          <a:p>
+            <a:pPr/>
+            <a:r>
+              <a:t>画像の登録は将来的に実装できるようになりたい。</a:t>
+            </a:r>
+          </a:p>
+        </p:txBody>
+      </p:sp>
+      <p:sp>
+        <p:nvSpPr>
+          <p:cNvPr id="210" name="四角形"/>
+          <p:cNvSpPr/>
+          <p:nvPr/>
+        </p:nvSpPr>
+        <p:spPr>
+          <a:xfrm>
+            <a:off x="9056195" y="254234"/>
+            <a:ext cx="10499772" cy="1859801"/>
+          </a:xfrm>
+          <a:prstGeom prst="rect">
+            <a:avLst/>
+          </a:prstGeom>
+          <a:solidFill>
+            <a:srgbClr val="000000">
+              <a:alpha val="32432"/>
+            </a:srgbClr>
+          </a:solidFill>
+          <a:ln w="12700">
+            <a:miter lim="400000"/>
+          </a:ln>
+        </p:spPr>
+        <p:txBody>
+          <a:bodyPr lIns="50800" tIns="50800" rIns="50800" bIns="50800" anchor="ctr"/>
+          <a:lstStyle/>
+          <a:p>
+            <a:pPr defTabSz="825500">
+              <a:defRPr sz="3200">
+                <a:solidFill>
+                  <a:srgbClr val="FFFFFF"/>
+                </a:solidFill>
+              </a:defRPr>
+            </a:pPr>
+          </a:p>
+        </p:txBody>
+      </p:sp>
     </p:spTree>
   </p:cSld>
   <p:clrMapOvr>
